--- a/1. 네트워크/J103_RemoteSignal.pptx
+++ b/1. 네트워크/J103_RemoteSignal.pptx
@@ -27,7 +27,11 @@
     <p:sldId id="280" r:id="rId21"/>
     <p:sldId id="277" r:id="rId22"/>
     <p:sldId id="274" r:id="rId23"/>
-    <p:sldId id="276" r:id="rId24"/>
+    <p:sldId id="281" r:id="rId24"/>
+    <p:sldId id="283" r:id="rId25"/>
+    <p:sldId id="282" r:id="rId26"/>
+    <p:sldId id="284" r:id="rId27"/>
+    <p:sldId id="276" r:id="rId28"/>
   </p:sldIdLst>
   <p:sldSz cx="12192000" cy="6858000"/>
   <p:notesSz cx="6858000" cy="9144000"/>
@@ -16502,11 +16506,11 @@
   <p:clrMapOvr>
     <a:masterClrMapping/>
   </p:clrMapOvr>
-  <mc:AlternateContent xmlns:mc="http://schemas.openxmlformats.org/markup-compatibility/2006">
-    <mc:Choice xmlns:p14="http://schemas.microsoft.com/office/powerpoint/2010/main" Requires="p14">
+  <mc:AlternateContent xmlns:mc="http://schemas.openxmlformats.org/markup-compatibility/2006" xmlns:p14="http://schemas.microsoft.com/office/powerpoint/2010/main">
+    <mc:Choice Requires="p14">
       <p:transition p14:dur="10"/>
     </mc:Choice>
-    <mc:Fallback>
+    <mc:Fallback xmlns="">
       <p:transition/>
     </mc:Fallback>
   </mc:AlternateContent>
@@ -16747,11 +16751,11 @@
   <p:clrMapOvr>
     <a:masterClrMapping/>
   </p:clrMapOvr>
-  <mc:AlternateContent xmlns:mc="http://schemas.openxmlformats.org/markup-compatibility/2006">
-    <mc:Choice xmlns:p14="http://schemas.microsoft.com/office/powerpoint/2010/main" Requires="p14">
+  <mc:AlternateContent xmlns:mc="http://schemas.openxmlformats.org/markup-compatibility/2006" xmlns:p14="http://schemas.microsoft.com/office/powerpoint/2010/main">
+    <mc:Choice Requires="p14">
       <p:transition p14:dur="10"/>
     </mc:Choice>
-    <mc:Fallback>
+    <mc:Fallback xmlns="">
       <p:transition/>
     </mc:Fallback>
   </mc:AlternateContent>
@@ -17173,13 +17177,13 @@
   <p:clrMapOvr>
     <a:masterClrMapping/>
   </p:clrMapOvr>
-  <mc:AlternateContent xmlns:mc="http://schemas.openxmlformats.org/markup-compatibility/2006">
-    <mc:Choice xmlns:p159="http://schemas.microsoft.com/office/powerpoint/2015/09/main" Requires="p159">
+  <mc:AlternateContent xmlns:mc="http://schemas.openxmlformats.org/markup-compatibility/2006" xmlns:p159="http://schemas.microsoft.com/office/powerpoint/2015/09/main">
+    <mc:Choice Requires="p159">
       <p:transition xmlns:p14="http://schemas.microsoft.com/office/powerpoint/2010/main" spd="slow" p14:dur="2000">
         <p159:morph option="byObject"/>
       </p:transition>
     </mc:Choice>
-    <mc:Fallback>
+    <mc:Fallback xmlns="">
       <p:transition spd="slow">
         <p:fade/>
       </p:transition>
@@ -17912,13 +17916,13 @@
   <p:clrMapOvr>
     <a:masterClrMapping/>
   </p:clrMapOvr>
-  <mc:AlternateContent xmlns:mc="http://schemas.openxmlformats.org/markup-compatibility/2006">
-    <mc:Choice xmlns:p159="http://schemas.microsoft.com/office/powerpoint/2015/09/main" Requires="p159">
+  <mc:AlternateContent xmlns:mc="http://schemas.openxmlformats.org/markup-compatibility/2006" xmlns:p159="http://schemas.microsoft.com/office/powerpoint/2015/09/main">
+    <mc:Choice Requires="p159">
       <p:transition xmlns:p14="http://schemas.microsoft.com/office/powerpoint/2010/main" spd="slow" p14:dur="2000">
         <p159:morph option="byObject"/>
       </p:transition>
     </mc:Choice>
-    <mc:Fallback>
+    <mc:Fallback xmlns="">
       <p:transition spd="slow">
         <p:fade/>
       </p:transition>
@@ -18161,11 +18165,11 @@
   <p:clrMapOvr>
     <a:masterClrMapping/>
   </p:clrMapOvr>
-  <mc:AlternateContent xmlns:mc="http://schemas.openxmlformats.org/markup-compatibility/2006">
-    <mc:Choice xmlns:p14="http://schemas.microsoft.com/office/powerpoint/2010/main" Requires="p14">
+  <mc:AlternateContent xmlns:mc="http://schemas.openxmlformats.org/markup-compatibility/2006" xmlns:p14="http://schemas.microsoft.com/office/powerpoint/2010/main">
+    <mc:Choice Requires="p14">
       <p:transition p14:dur="10"/>
     </mc:Choice>
-    <mc:Fallback>
+    <mc:Fallback xmlns="">
       <p:transition/>
     </mc:Fallback>
   </mc:AlternateContent>
@@ -18359,13 +18363,13 @@
   <p:clrMapOvr>
     <a:masterClrMapping/>
   </p:clrMapOvr>
-  <mc:AlternateContent xmlns:mc="http://schemas.openxmlformats.org/markup-compatibility/2006">
-    <mc:Choice xmlns:p159="http://schemas.microsoft.com/office/powerpoint/2015/09/main" Requires="p159">
+  <mc:AlternateContent xmlns:mc="http://schemas.openxmlformats.org/markup-compatibility/2006" xmlns:p159="http://schemas.microsoft.com/office/powerpoint/2015/09/main">
+    <mc:Choice Requires="p159">
       <p:transition xmlns:p14="http://schemas.microsoft.com/office/powerpoint/2010/main" spd="slow" p14:dur="2000">
         <p159:morph option="byObject"/>
       </p:transition>
     </mc:Choice>
-    <mc:Fallback>
+    <mc:Fallback xmlns="">
       <p:transition spd="slow">
         <p:fade/>
       </p:transition>
@@ -18375,6 +18379,1189 @@
 </file>
 
 <file path=ppt/slides/slide23.xml><?xml version="1.0" encoding="utf-8"?>
+<p:sld xmlns:a="http://schemas.openxmlformats.org/drawingml/2006/main" xmlns:r="http://schemas.openxmlformats.org/officeDocument/2006/relationships" xmlns:p="http://schemas.openxmlformats.org/presentationml/2006/main">
+  <p:cSld>
+    <p:spTree>
+      <p:nvGrpSpPr>
+        <p:cNvPr id="1" name=""/>
+        <p:cNvGrpSpPr/>
+        <p:nvPr/>
+      </p:nvGrpSpPr>
+      <p:grpSpPr>
+        <a:xfrm>
+          <a:off x="0" y="0"/>
+          <a:ext cx="0" cy="0"/>
+          <a:chOff x="0" y="0"/>
+          <a:chExt cx="0" cy="0"/>
+        </a:xfrm>
+      </p:grpSpPr>
+      <p:sp>
+        <p:nvSpPr>
+          <p:cNvPr id="4" name="순서도: 지연 3">
+            <a:extLst>
+              <a:ext uri="{FF2B5EF4-FFF2-40B4-BE49-F238E27FC236}">
+                <a16:creationId xmlns:a16="http://schemas.microsoft.com/office/drawing/2014/main" id="{375B44B5-671E-4CB4-B43E-04F8AC18846D}"/>
+              </a:ext>
+            </a:extLst>
+          </p:cNvPr>
+          <p:cNvSpPr/>
+          <p:nvPr/>
+        </p:nvSpPr>
+        <p:spPr>
+          <a:xfrm rot="16200000">
+            <a:off x="1508038" y="3456264"/>
+            <a:ext cx="1208015" cy="1208015"/>
+          </a:xfrm>
+          <a:prstGeom prst="flowChartDelay">
+            <a:avLst/>
+          </a:prstGeom>
+          <a:solidFill>
+            <a:schemeClr val="accent2"/>
+          </a:solidFill>
+          <a:ln>
+            <a:noFill/>
+          </a:ln>
+        </p:spPr>
+        <p:style>
+          <a:lnRef idx="2">
+            <a:schemeClr val="accent1">
+              <a:shade val="50000"/>
+            </a:schemeClr>
+          </a:lnRef>
+          <a:fillRef idx="1">
+            <a:schemeClr val="accent1"/>
+          </a:fillRef>
+          <a:effectRef idx="0">
+            <a:schemeClr val="accent1"/>
+          </a:effectRef>
+          <a:fontRef idx="minor">
+            <a:schemeClr val="lt1"/>
+          </a:fontRef>
+        </p:style>
+        <p:txBody>
+          <a:bodyPr rtlCol="0" anchor="ctr"/>
+          <a:lstStyle/>
+          <a:p>
+            <a:pPr algn="ctr"/>
+            <a:endParaRPr lang="ko-KR" altLang="en-US"/>
+          </a:p>
+        </p:txBody>
+      </p:sp>
+      <p:sp>
+        <p:nvSpPr>
+          <p:cNvPr id="9" name="순서도: 지연 8">
+            <a:extLst>
+              <a:ext uri="{FF2B5EF4-FFF2-40B4-BE49-F238E27FC236}">
+                <a16:creationId xmlns:a16="http://schemas.microsoft.com/office/drawing/2014/main" id="{26A4ED26-EFF9-445F-AFDB-10D9623BA237}"/>
+              </a:ext>
+            </a:extLst>
+          </p:cNvPr>
+          <p:cNvSpPr/>
+          <p:nvPr/>
+        </p:nvSpPr>
+        <p:spPr>
+          <a:xfrm rot="16200000">
+            <a:off x="3500015" y="3456264"/>
+            <a:ext cx="1208015" cy="1208015"/>
+          </a:xfrm>
+          <a:prstGeom prst="flowChartDelay">
+            <a:avLst/>
+          </a:prstGeom>
+          <a:solidFill>
+            <a:schemeClr val="accent4"/>
+          </a:solidFill>
+          <a:ln>
+            <a:noFill/>
+          </a:ln>
+        </p:spPr>
+        <p:style>
+          <a:lnRef idx="2">
+            <a:schemeClr val="accent1">
+              <a:shade val="50000"/>
+            </a:schemeClr>
+          </a:lnRef>
+          <a:fillRef idx="1">
+            <a:schemeClr val="accent1"/>
+          </a:fillRef>
+          <a:effectRef idx="0">
+            <a:schemeClr val="accent1"/>
+          </a:effectRef>
+          <a:fontRef idx="minor">
+            <a:schemeClr val="lt1"/>
+          </a:fontRef>
+        </p:style>
+        <p:txBody>
+          <a:bodyPr rtlCol="0" anchor="ctr"/>
+          <a:lstStyle/>
+          <a:p>
+            <a:pPr algn="ctr"/>
+            <a:endParaRPr lang="ko-KR" altLang="en-US"/>
+          </a:p>
+        </p:txBody>
+      </p:sp>
+      <p:sp>
+        <p:nvSpPr>
+          <p:cNvPr id="10" name="순서도: 지연 9">
+            <a:extLst>
+              <a:ext uri="{FF2B5EF4-FFF2-40B4-BE49-F238E27FC236}">
+                <a16:creationId xmlns:a16="http://schemas.microsoft.com/office/drawing/2014/main" id="{7D39DD8A-CF47-4625-9324-1A555509EFCD}"/>
+              </a:ext>
+            </a:extLst>
+          </p:cNvPr>
+          <p:cNvSpPr/>
+          <p:nvPr/>
+        </p:nvSpPr>
+        <p:spPr>
+          <a:xfrm rot="16200000">
+            <a:off x="5491992" y="3456264"/>
+            <a:ext cx="1208015" cy="1208015"/>
+          </a:xfrm>
+          <a:prstGeom prst="flowChartDelay">
+            <a:avLst/>
+          </a:prstGeom>
+          <a:ln>
+            <a:noFill/>
+          </a:ln>
+        </p:spPr>
+        <p:style>
+          <a:lnRef idx="2">
+            <a:schemeClr val="accent1">
+              <a:shade val="50000"/>
+            </a:schemeClr>
+          </a:lnRef>
+          <a:fillRef idx="1">
+            <a:schemeClr val="accent1"/>
+          </a:fillRef>
+          <a:effectRef idx="0">
+            <a:schemeClr val="accent1"/>
+          </a:effectRef>
+          <a:fontRef idx="minor">
+            <a:schemeClr val="lt1"/>
+          </a:fontRef>
+        </p:style>
+        <p:txBody>
+          <a:bodyPr rtlCol="0" anchor="ctr"/>
+          <a:lstStyle/>
+          <a:p>
+            <a:pPr algn="ctr"/>
+            <a:endParaRPr lang="ko-KR" altLang="en-US"/>
+          </a:p>
+        </p:txBody>
+      </p:sp>
+      <p:sp>
+        <p:nvSpPr>
+          <p:cNvPr id="12" name="순서도: 지연 11">
+            <a:extLst>
+              <a:ext uri="{FF2B5EF4-FFF2-40B4-BE49-F238E27FC236}">
+                <a16:creationId xmlns:a16="http://schemas.microsoft.com/office/drawing/2014/main" id="{7DB848F5-0115-400A-A67A-A5CAD80E8DDF}"/>
+              </a:ext>
+            </a:extLst>
+          </p:cNvPr>
+          <p:cNvSpPr/>
+          <p:nvPr/>
+        </p:nvSpPr>
+        <p:spPr>
+          <a:xfrm rot="16200000">
+            <a:off x="7483969" y="3456264"/>
+            <a:ext cx="1208015" cy="1208015"/>
+          </a:xfrm>
+          <a:prstGeom prst="flowChartDelay">
+            <a:avLst/>
+          </a:prstGeom>
+          <a:solidFill>
+            <a:schemeClr val="accent6"/>
+          </a:solidFill>
+          <a:ln>
+            <a:noFill/>
+          </a:ln>
+        </p:spPr>
+        <p:style>
+          <a:lnRef idx="2">
+            <a:schemeClr val="accent1">
+              <a:shade val="50000"/>
+            </a:schemeClr>
+          </a:lnRef>
+          <a:fillRef idx="1">
+            <a:schemeClr val="accent1"/>
+          </a:fillRef>
+          <a:effectRef idx="0">
+            <a:schemeClr val="accent1"/>
+          </a:effectRef>
+          <a:fontRef idx="minor">
+            <a:schemeClr val="lt1"/>
+          </a:fontRef>
+        </p:style>
+        <p:txBody>
+          <a:bodyPr rtlCol="0" anchor="ctr"/>
+          <a:lstStyle/>
+          <a:p>
+            <a:pPr algn="ctr"/>
+            <a:endParaRPr lang="ko-KR" altLang="en-US"/>
+          </a:p>
+        </p:txBody>
+      </p:sp>
+      <p:sp>
+        <p:nvSpPr>
+          <p:cNvPr id="13" name="순서도: 지연 12">
+            <a:extLst>
+              <a:ext uri="{FF2B5EF4-FFF2-40B4-BE49-F238E27FC236}">
+                <a16:creationId xmlns:a16="http://schemas.microsoft.com/office/drawing/2014/main" id="{6D48F397-FEC8-4F62-9EC4-768A86A9D317}"/>
+              </a:ext>
+            </a:extLst>
+          </p:cNvPr>
+          <p:cNvSpPr/>
+          <p:nvPr/>
+        </p:nvSpPr>
+        <p:spPr>
+          <a:xfrm rot="16200000">
+            <a:off x="9475947" y="3456264"/>
+            <a:ext cx="1208015" cy="1208015"/>
+          </a:xfrm>
+          <a:prstGeom prst="flowChartDelay">
+            <a:avLst/>
+          </a:prstGeom>
+          <a:solidFill>
+            <a:schemeClr val="tx2"/>
+          </a:solidFill>
+          <a:ln>
+            <a:noFill/>
+          </a:ln>
+        </p:spPr>
+        <p:style>
+          <a:lnRef idx="2">
+            <a:schemeClr val="accent1">
+              <a:shade val="50000"/>
+            </a:schemeClr>
+          </a:lnRef>
+          <a:fillRef idx="1">
+            <a:schemeClr val="accent1"/>
+          </a:fillRef>
+          <a:effectRef idx="0">
+            <a:schemeClr val="accent1"/>
+          </a:effectRef>
+          <a:fontRef idx="minor">
+            <a:schemeClr val="lt1"/>
+          </a:fontRef>
+        </p:style>
+        <p:txBody>
+          <a:bodyPr rtlCol="0" anchor="ctr"/>
+          <a:lstStyle/>
+          <a:p>
+            <a:pPr algn="ctr"/>
+            <a:endParaRPr lang="ko-KR" altLang="en-US"/>
+          </a:p>
+        </p:txBody>
+      </p:sp>
+      <p:sp>
+        <p:nvSpPr>
+          <p:cNvPr id="7" name="직사각형 6">
+            <a:extLst>
+              <a:ext uri="{FF2B5EF4-FFF2-40B4-BE49-F238E27FC236}">
+                <a16:creationId xmlns:a16="http://schemas.microsoft.com/office/drawing/2014/main" id="{2B1C9227-4805-40FF-82CD-1BEB872F1C4C}"/>
+              </a:ext>
+            </a:extLst>
+          </p:cNvPr>
+          <p:cNvSpPr/>
+          <p:nvPr/>
+        </p:nvSpPr>
+        <p:spPr>
+          <a:xfrm>
+            <a:off x="0" y="0"/>
+            <a:ext cx="12192000" cy="6858000"/>
+          </a:xfrm>
+          <a:prstGeom prst="rect">
+            <a:avLst/>
+          </a:prstGeom>
+          <a:noFill/>
+          <a:ln w="38100">
+            <a:solidFill>
+              <a:srgbClr val="0070C0"/>
+            </a:solidFill>
+          </a:ln>
+        </p:spPr>
+        <p:style>
+          <a:lnRef idx="2">
+            <a:schemeClr val="accent1">
+              <a:shade val="50000"/>
+            </a:schemeClr>
+          </a:lnRef>
+          <a:fillRef idx="1">
+            <a:schemeClr val="accent1"/>
+          </a:fillRef>
+          <a:effectRef idx="0">
+            <a:schemeClr val="accent1"/>
+          </a:effectRef>
+          <a:fontRef idx="minor">
+            <a:schemeClr val="lt1"/>
+          </a:fontRef>
+        </p:style>
+        <p:txBody>
+          <a:bodyPr rtlCol="0" anchor="ctr"/>
+          <a:lstStyle/>
+          <a:p>
+            <a:pPr algn="ctr"/>
+            <a:endParaRPr lang="ko-KR" altLang="en-US"/>
+          </a:p>
+        </p:txBody>
+      </p:sp>
+      <p:sp>
+        <p:nvSpPr>
+          <p:cNvPr id="204" name="TextBox 203">
+            <a:extLst>
+              <a:ext uri="{FF2B5EF4-FFF2-40B4-BE49-F238E27FC236}">
+                <a16:creationId xmlns:a16="http://schemas.microsoft.com/office/drawing/2014/main" id="{2851CA0E-1928-41E5-87E3-41ADB5E56C66}"/>
+              </a:ext>
+            </a:extLst>
+          </p:cNvPr>
+          <p:cNvSpPr txBox="1"/>
+          <p:nvPr/>
+        </p:nvSpPr>
+        <p:spPr>
+          <a:xfrm>
+            <a:off x="2283514" y="346208"/>
+            <a:ext cx="7624972" cy="707886"/>
+          </a:xfrm>
+          <a:prstGeom prst="rect">
+            <a:avLst/>
+          </a:prstGeom>
+          <a:noFill/>
+        </p:spPr>
+        <p:txBody>
+          <a:bodyPr wrap="none" rtlCol="0">
+            <a:spAutoFit/>
+          </a:bodyPr>
+          <a:lstStyle/>
+          <a:p>
+            <a:r>
+              <a:rPr lang="en-US" altLang="ko-KR" sz="4000" dirty="0">
+                <a:solidFill>
+                  <a:srgbClr val="FF0000"/>
+                </a:solidFill>
+              </a:rPr>
+              <a:t>F</a:t>
+            </a:r>
+            <a:r>
+              <a:rPr lang="en-US" altLang="ko-KR" sz="4000" dirty="0"/>
+              <a:t>requency </a:t>
+            </a:r>
+            <a:r>
+              <a:rPr lang="en-US" altLang="ko-KR" sz="4000" dirty="0">
+                <a:solidFill>
+                  <a:srgbClr val="FF0000"/>
+                </a:solidFill>
+              </a:rPr>
+              <a:t>D</a:t>
+            </a:r>
+            <a:r>
+              <a:rPr lang="en-US" altLang="ko-KR" sz="4000" dirty="0"/>
+              <a:t>ivision </a:t>
+            </a:r>
+            <a:r>
+              <a:rPr lang="en-US" altLang="ko-KR" sz="4000" dirty="0">
+                <a:solidFill>
+                  <a:srgbClr val="FF0000"/>
+                </a:solidFill>
+              </a:rPr>
+              <a:t>M</a:t>
+            </a:r>
+            <a:r>
+              <a:rPr lang="en-US" altLang="ko-KR" sz="4000" dirty="0"/>
+              <a:t>ultiplexing</a:t>
+            </a:r>
+            <a:endParaRPr lang="ko-KR" altLang="en-US" sz="4000" dirty="0"/>
+          </a:p>
+        </p:txBody>
+      </p:sp>
+      <p:cxnSp>
+        <p:nvCxnSpPr>
+          <p:cNvPr id="3" name="직선 연결선 2">
+            <a:extLst>
+              <a:ext uri="{FF2B5EF4-FFF2-40B4-BE49-F238E27FC236}">
+                <a16:creationId xmlns:a16="http://schemas.microsoft.com/office/drawing/2014/main" id="{94D29EB5-1221-4A65-AAA6-F4A31788DCAB}"/>
+              </a:ext>
+            </a:extLst>
+          </p:cNvPr>
+          <p:cNvCxnSpPr/>
+          <p:nvPr/>
+        </p:nvCxnSpPr>
+        <p:spPr>
+          <a:xfrm>
+            <a:off x="880844" y="4664279"/>
+            <a:ext cx="10410738" cy="0"/>
+          </a:xfrm>
+          <a:prstGeom prst="line">
+            <a:avLst/>
+          </a:prstGeom>
+          <a:ln w="57150"/>
+        </p:spPr>
+        <p:style>
+          <a:lnRef idx="1">
+            <a:schemeClr val="dk1"/>
+          </a:lnRef>
+          <a:fillRef idx="0">
+            <a:schemeClr val="dk1"/>
+          </a:fillRef>
+          <a:effectRef idx="0">
+            <a:schemeClr val="dk1"/>
+          </a:effectRef>
+          <a:fontRef idx="minor">
+            <a:schemeClr val="tx1"/>
+          </a:fontRef>
+        </p:style>
+      </p:cxnSp>
+      <p:cxnSp>
+        <p:nvCxnSpPr>
+          <p:cNvPr id="8" name="직선 화살표 연결선 7">
+            <a:extLst>
+              <a:ext uri="{FF2B5EF4-FFF2-40B4-BE49-F238E27FC236}">
+                <a16:creationId xmlns:a16="http://schemas.microsoft.com/office/drawing/2014/main" id="{CA09700B-742B-4EE6-9BB2-668B719BE097}"/>
+              </a:ext>
+            </a:extLst>
+          </p:cNvPr>
+          <p:cNvCxnSpPr/>
+          <p:nvPr/>
+        </p:nvCxnSpPr>
+        <p:spPr>
+          <a:xfrm>
+            <a:off x="2716054" y="4345497"/>
+            <a:ext cx="783961" cy="0"/>
+          </a:xfrm>
+          <a:prstGeom prst="straightConnector1">
+            <a:avLst/>
+          </a:prstGeom>
+          <a:ln>
+            <a:headEnd type="triangle"/>
+            <a:tailEnd type="triangle"/>
+          </a:ln>
+        </p:spPr>
+        <p:style>
+          <a:lnRef idx="1">
+            <a:schemeClr val="accent1"/>
+          </a:lnRef>
+          <a:fillRef idx="0">
+            <a:schemeClr val="accent1"/>
+          </a:fillRef>
+          <a:effectRef idx="0">
+            <a:schemeClr val="accent1"/>
+          </a:effectRef>
+          <a:fontRef idx="minor">
+            <a:schemeClr val="tx1"/>
+          </a:fontRef>
+        </p:style>
+      </p:cxnSp>
+      <p:cxnSp>
+        <p:nvCxnSpPr>
+          <p:cNvPr id="17" name="직선 화살표 연결선 16">
+            <a:extLst>
+              <a:ext uri="{FF2B5EF4-FFF2-40B4-BE49-F238E27FC236}">
+                <a16:creationId xmlns:a16="http://schemas.microsoft.com/office/drawing/2014/main" id="{B2B2D102-1DC3-445B-A46C-46647A56D095}"/>
+              </a:ext>
+            </a:extLst>
+          </p:cNvPr>
+          <p:cNvCxnSpPr>
+            <a:cxnSpLocks/>
+          </p:cNvCxnSpPr>
+          <p:nvPr/>
+        </p:nvCxnSpPr>
+        <p:spPr>
+          <a:xfrm>
+            <a:off x="1508038" y="4875403"/>
+            <a:ext cx="1208016" cy="0"/>
+          </a:xfrm>
+          <a:prstGeom prst="straightConnector1">
+            <a:avLst/>
+          </a:prstGeom>
+          <a:ln>
+            <a:headEnd type="triangle"/>
+            <a:tailEnd type="triangle"/>
+          </a:ln>
+        </p:spPr>
+        <p:style>
+          <a:lnRef idx="1">
+            <a:schemeClr val="accent1"/>
+          </a:lnRef>
+          <a:fillRef idx="0">
+            <a:schemeClr val="accent1"/>
+          </a:fillRef>
+          <a:effectRef idx="0">
+            <a:schemeClr val="accent1"/>
+          </a:effectRef>
+          <a:fontRef idx="minor">
+            <a:schemeClr val="tx1"/>
+          </a:fontRef>
+        </p:style>
+      </p:cxnSp>
+      <p:sp>
+        <p:nvSpPr>
+          <p:cNvPr id="24" name="TextBox 23">
+            <a:extLst>
+              <a:ext uri="{FF2B5EF4-FFF2-40B4-BE49-F238E27FC236}">
+                <a16:creationId xmlns:a16="http://schemas.microsoft.com/office/drawing/2014/main" id="{723A12CA-EC00-44B4-912E-86BACE7F5624}"/>
+              </a:ext>
+            </a:extLst>
+          </p:cNvPr>
+          <p:cNvSpPr txBox="1"/>
+          <p:nvPr/>
+        </p:nvSpPr>
+        <p:spPr>
+          <a:xfrm>
+            <a:off x="1371597" y="4886696"/>
+            <a:ext cx="302239" cy="369332"/>
+          </a:xfrm>
+          <a:prstGeom prst="rect">
+            <a:avLst/>
+          </a:prstGeom>
+          <a:noFill/>
+        </p:spPr>
+        <p:txBody>
+          <a:bodyPr wrap="square">
+            <a:spAutoFit/>
+          </a:bodyPr>
+          <a:lstStyle/>
+          <a:p>
+            <a:r>
+              <a:rPr lang="en-US" altLang="ko-KR" sz="1800" dirty="0"/>
+              <a:t>0</a:t>
+            </a:r>
+            <a:endParaRPr lang="ko-KR" altLang="en-US" dirty="0"/>
+          </a:p>
+        </p:txBody>
+      </p:sp>
+      <p:sp>
+        <p:nvSpPr>
+          <p:cNvPr id="18" name="TextBox 17">
+            <a:extLst>
+              <a:ext uri="{FF2B5EF4-FFF2-40B4-BE49-F238E27FC236}">
+                <a16:creationId xmlns:a16="http://schemas.microsoft.com/office/drawing/2014/main" id="{1C637D2E-AE37-4194-B0D0-9B50CEB0B417}"/>
+              </a:ext>
+            </a:extLst>
+          </p:cNvPr>
+          <p:cNvSpPr txBox="1"/>
+          <p:nvPr/>
+        </p:nvSpPr>
+        <p:spPr>
+          <a:xfrm>
+            <a:off x="1799089" y="4875402"/>
+            <a:ext cx="625914" cy="369332"/>
+          </a:xfrm>
+          <a:prstGeom prst="rect">
+            <a:avLst/>
+          </a:prstGeom>
+          <a:noFill/>
+        </p:spPr>
+        <p:txBody>
+          <a:bodyPr wrap="square">
+            <a:spAutoFit/>
+          </a:bodyPr>
+          <a:lstStyle/>
+          <a:p>
+            <a:r>
+              <a:rPr lang="en-US" altLang="ko-KR" sz="1800" dirty="0"/>
+              <a:t>100</a:t>
+            </a:r>
+            <a:endParaRPr lang="ko-KR" altLang="en-US" dirty="0"/>
+          </a:p>
+        </p:txBody>
+      </p:sp>
+      <p:sp>
+        <p:nvSpPr>
+          <p:cNvPr id="23" name="TextBox 22">
+            <a:extLst>
+              <a:ext uri="{FF2B5EF4-FFF2-40B4-BE49-F238E27FC236}">
+                <a16:creationId xmlns:a16="http://schemas.microsoft.com/office/drawing/2014/main" id="{A2CEE7BA-D21A-407E-9B85-DED1B7E33CF2}"/>
+              </a:ext>
+            </a:extLst>
+          </p:cNvPr>
+          <p:cNvSpPr txBox="1"/>
+          <p:nvPr/>
+        </p:nvSpPr>
+        <p:spPr>
+          <a:xfrm>
+            <a:off x="2892395" y="3950891"/>
+            <a:ext cx="625914" cy="369332"/>
+          </a:xfrm>
+          <a:prstGeom prst="rect">
+            <a:avLst/>
+          </a:prstGeom>
+          <a:noFill/>
+        </p:spPr>
+        <p:txBody>
+          <a:bodyPr wrap="square">
+            <a:spAutoFit/>
+          </a:bodyPr>
+          <a:lstStyle/>
+          <a:p>
+            <a:r>
+              <a:rPr lang="en-US" altLang="ko-KR" sz="1800" dirty="0"/>
+              <a:t>10</a:t>
+            </a:r>
+            <a:endParaRPr lang="ko-KR" altLang="en-US" dirty="0"/>
+          </a:p>
+        </p:txBody>
+      </p:sp>
+      <p:sp>
+        <p:nvSpPr>
+          <p:cNvPr id="26" name="TextBox 25">
+            <a:extLst>
+              <a:ext uri="{FF2B5EF4-FFF2-40B4-BE49-F238E27FC236}">
+                <a16:creationId xmlns:a16="http://schemas.microsoft.com/office/drawing/2014/main" id="{15D70289-295E-4C88-AFC5-96FA3EC313EA}"/>
+              </a:ext>
+            </a:extLst>
+          </p:cNvPr>
+          <p:cNvSpPr txBox="1"/>
+          <p:nvPr/>
+        </p:nvSpPr>
+        <p:spPr>
+          <a:xfrm>
+            <a:off x="5881405" y="4594308"/>
+            <a:ext cx="1435276" cy="584775"/>
+          </a:xfrm>
+          <a:prstGeom prst="rect">
+            <a:avLst/>
+          </a:prstGeom>
+          <a:noFill/>
+        </p:spPr>
+        <p:txBody>
+          <a:bodyPr wrap="square">
+            <a:spAutoFit/>
+          </a:bodyPr>
+          <a:lstStyle/>
+          <a:p>
+            <a:r>
+              <a:rPr lang="en-US" altLang="ko-KR" sz="3200" dirty="0"/>
+              <a:t>. . .</a:t>
+            </a:r>
+            <a:endParaRPr lang="ko-KR" altLang="en-US" sz="3200" dirty="0"/>
+          </a:p>
+        </p:txBody>
+      </p:sp>
+      <p:sp>
+        <p:nvSpPr>
+          <p:cNvPr id="31" name="TextBox 30">
+            <a:extLst>
+              <a:ext uri="{FF2B5EF4-FFF2-40B4-BE49-F238E27FC236}">
+                <a16:creationId xmlns:a16="http://schemas.microsoft.com/office/drawing/2014/main" id="{FF4752D7-6B7D-4455-BCA8-77DE5B7CB911}"/>
+              </a:ext>
+            </a:extLst>
+          </p:cNvPr>
+          <p:cNvSpPr txBox="1"/>
+          <p:nvPr/>
+        </p:nvSpPr>
+        <p:spPr>
+          <a:xfrm>
+            <a:off x="10371005" y="4798394"/>
+            <a:ext cx="625914" cy="369332"/>
+          </a:xfrm>
+          <a:prstGeom prst="rect">
+            <a:avLst/>
+          </a:prstGeom>
+          <a:noFill/>
+        </p:spPr>
+        <p:txBody>
+          <a:bodyPr wrap="square">
+            <a:spAutoFit/>
+          </a:bodyPr>
+          <a:lstStyle/>
+          <a:p>
+            <a:r>
+              <a:rPr lang="en-US" altLang="ko-KR" sz="1800" dirty="0"/>
+              <a:t>540</a:t>
+            </a:r>
+            <a:endParaRPr lang="ko-KR" altLang="en-US" dirty="0"/>
+          </a:p>
+        </p:txBody>
+      </p:sp>
+    </p:spTree>
+    <p:extLst>
+      <p:ext uri="{BB962C8B-B14F-4D97-AF65-F5344CB8AC3E}">
+        <p14:creationId xmlns:p14="http://schemas.microsoft.com/office/powerpoint/2010/main" val="594669824"/>
+      </p:ext>
+    </p:extLst>
+  </p:cSld>
+  <p:clrMapOvr>
+    <a:masterClrMapping/>
+  </p:clrMapOvr>
+</p:sld>
+</file>
+
+<file path=ppt/slides/slide24.xml><?xml version="1.0" encoding="utf-8"?>
+<p:sld xmlns:a="http://schemas.openxmlformats.org/drawingml/2006/main" xmlns:r="http://schemas.openxmlformats.org/officeDocument/2006/relationships" xmlns:p="http://schemas.openxmlformats.org/presentationml/2006/main">
+  <p:cSld>
+    <p:spTree>
+      <p:nvGrpSpPr>
+        <p:cNvPr id="1" name=""/>
+        <p:cNvGrpSpPr/>
+        <p:nvPr/>
+      </p:nvGrpSpPr>
+      <p:grpSpPr>
+        <a:xfrm>
+          <a:off x="0" y="0"/>
+          <a:ext cx="0" cy="0"/>
+          <a:chOff x="0" y="0"/>
+          <a:chExt cx="0" cy="0"/>
+        </a:xfrm>
+      </p:grpSpPr>
+      <p:sp>
+        <p:nvSpPr>
+          <p:cNvPr id="7" name="직사각형 6">
+            <a:extLst>
+              <a:ext uri="{FF2B5EF4-FFF2-40B4-BE49-F238E27FC236}">
+                <a16:creationId xmlns:a16="http://schemas.microsoft.com/office/drawing/2014/main" id="{2B1C9227-4805-40FF-82CD-1BEB872F1C4C}"/>
+              </a:ext>
+            </a:extLst>
+          </p:cNvPr>
+          <p:cNvSpPr/>
+          <p:nvPr/>
+        </p:nvSpPr>
+        <p:spPr>
+          <a:xfrm>
+            <a:off x="0" y="0"/>
+            <a:ext cx="12192000" cy="6858000"/>
+          </a:xfrm>
+          <a:prstGeom prst="rect">
+            <a:avLst/>
+          </a:prstGeom>
+          <a:noFill/>
+          <a:ln w="38100">
+            <a:solidFill>
+              <a:srgbClr val="0070C0"/>
+            </a:solidFill>
+          </a:ln>
+        </p:spPr>
+        <p:style>
+          <a:lnRef idx="2">
+            <a:schemeClr val="accent1">
+              <a:shade val="50000"/>
+            </a:schemeClr>
+          </a:lnRef>
+          <a:fillRef idx="1">
+            <a:schemeClr val="accent1"/>
+          </a:fillRef>
+          <a:effectRef idx="0">
+            <a:schemeClr val="accent1"/>
+          </a:effectRef>
+          <a:fontRef idx="minor">
+            <a:schemeClr val="lt1"/>
+          </a:fontRef>
+        </p:style>
+        <p:txBody>
+          <a:bodyPr rtlCol="0" anchor="ctr"/>
+          <a:lstStyle/>
+          <a:p>
+            <a:pPr algn="ctr"/>
+            <a:endParaRPr lang="ko-KR" altLang="en-US"/>
+          </a:p>
+        </p:txBody>
+      </p:sp>
+      <p:sp>
+        <p:nvSpPr>
+          <p:cNvPr id="204" name="TextBox 203">
+            <a:extLst>
+              <a:ext uri="{FF2B5EF4-FFF2-40B4-BE49-F238E27FC236}">
+                <a16:creationId xmlns:a16="http://schemas.microsoft.com/office/drawing/2014/main" id="{2851CA0E-1928-41E5-87E3-41ADB5E56C66}"/>
+              </a:ext>
+            </a:extLst>
+          </p:cNvPr>
+          <p:cNvSpPr txBox="1"/>
+          <p:nvPr/>
+        </p:nvSpPr>
+        <p:spPr>
+          <a:xfrm>
+            <a:off x="2283514" y="346208"/>
+            <a:ext cx="7624972" cy="707886"/>
+          </a:xfrm>
+          <a:prstGeom prst="rect">
+            <a:avLst/>
+          </a:prstGeom>
+          <a:noFill/>
+        </p:spPr>
+        <p:txBody>
+          <a:bodyPr wrap="none" rtlCol="0">
+            <a:spAutoFit/>
+          </a:bodyPr>
+          <a:lstStyle/>
+          <a:p>
+            <a:r>
+              <a:rPr lang="en-US" altLang="ko-KR" sz="4000" dirty="0">
+                <a:solidFill>
+                  <a:srgbClr val="FF0000"/>
+                </a:solidFill>
+              </a:rPr>
+              <a:t>F</a:t>
+            </a:r>
+            <a:r>
+              <a:rPr lang="en-US" altLang="ko-KR" sz="4000" dirty="0"/>
+              <a:t>requency </a:t>
+            </a:r>
+            <a:r>
+              <a:rPr lang="en-US" altLang="ko-KR" sz="4000" dirty="0">
+                <a:solidFill>
+                  <a:srgbClr val="FF0000"/>
+                </a:solidFill>
+              </a:rPr>
+              <a:t>D</a:t>
+            </a:r>
+            <a:r>
+              <a:rPr lang="en-US" altLang="ko-KR" sz="4000" dirty="0"/>
+              <a:t>ivision </a:t>
+            </a:r>
+            <a:r>
+              <a:rPr lang="en-US" altLang="ko-KR" sz="4000" dirty="0">
+                <a:solidFill>
+                  <a:srgbClr val="FF0000"/>
+                </a:solidFill>
+              </a:rPr>
+              <a:t>M</a:t>
+            </a:r>
+            <a:r>
+              <a:rPr lang="en-US" altLang="ko-KR" sz="4000" dirty="0"/>
+              <a:t>ultiplexing</a:t>
+            </a:r>
+            <a:endParaRPr lang="ko-KR" altLang="en-US" sz="4000" dirty="0"/>
+          </a:p>
+        </p:txBody>
+      </p:sp>
+      <p:pic>
+        <p:nvPicPr>
+          <p:cNvPr id="3" name="그림 2">
+            <a:extLst>
+              <a:ext uri="{FF2B5EF4-FFF2-40B4-BE49-F238E27FC236}">
+                <a16:creationId xmlns:a16="http://schemas.microsoft.com/office/drawing/2014/main" id="{CEE848A9-3FCB-4D42-B7A2-7A5CE0F5AA5A}"/>
+              </a:ext>
+            </a:extLst>
+          </p:cNvPr>
+          <p:cNvPicPr>
+            <a:picLocks noChangeAspect="1"/>
+          </p:cNvPicPr>
+          <p:nvPr/>
+        </p:nvPicPr>
+        <p:blipFill>
+          <a:blip r:embed="rId2">
+            <a:extLst>
+              <a:ext uri="{28A0092B-C50C-407E-A947-70E740481C1C}">
+                <a14:useLocalDpi xmlns:a14="http://schemas.microsoft.com/office/drawing/2010/main" val="0"/>
+              </a:ext>
+            </a:extLst>
+          </a:blip>
+          <a:stretch>
+            <a:fillRect/>
+          </a:stretch>
+        </p:blipFill>
+        <p:spPr>
+          <a:xfrm>
+            <a:off x="1407269" y="1996492"/>
+            <a:ext cx="9377461" cy="3489907"/>
+          </a:xfrm>
+          <a:prstGeom prst="rect">
+            <a:avLst/>
+          </a:prstGeom>
+        </p:spPr>
+      </p:pic>
+    </p:spTree>
+    <p:extLst>
+      <p:ext uri="{BB962C8B-B14F-4D97-AF65-F5344CB8AC3E}">
+        <p14:creationId xmlns:p14="http://schemas.microsoft.com/office/powerpoint/2010/main" val="3775210743"/>
+      </p:ext>
+    </p:extLst>
+  </p:cSld>
+  <p:clrMapOvr>
+    <a:masterClrMapping/>
+  </p:clrMapOvr>
+</p:sld>
+</file>
+
+<file path=ppt/slides/slide25.xml><?xml version="1.0" encoding="utf-8"?>
+<p:sld xmlns:a="http://schemas.openxmlformats.org/drawingml/2006/main" xmlns:r="http://schemas.openxmlformats.org/officeDocument/2006/relationships" xmlns:p="http://schemas.openxmlformats.org/presentationml/2006/main">
+  <p:cSld>
+    <p:spTree>
+      <p:nvGrpSpPr>
+        <p:cNvPr id="1" name=""/>
+        <p:cNvGrpSpPr/>
+        <p:nvPr/>
+      </p:nvGrpSpPr>
+      <p:grpSpPr>
+        <a:xfrm>
+          <a:off x="0" y="0"/>
+          <a:ext cx="0" cy="0"/>
+          <a:chOff x="0" y="0"/>
+          <a:chExt cx="0" cy="0"/>
+        </a:xfrm>
+      </p:grpSpPr>
+      <p:sp>
+        <p:nvSpPr>
+          <p:cNvPr id="7" name="직사각형 6">
+            <a:extLst>
+              <a:ext uri="{FF2B5EF4-FFF2-40B4-BE49-F238E27FC236}">
+                <a16:creationId xmlns:a16="http://schemas.microsoft.com/office/drawing/2014/main" id="{2B1C9227-4805-40FF-82CD-1BEB872F1C4C}"/>
+              </a:ext>
+            </a:extLst>
+          </p:cNvPr>
+          <p:cNvSpPr/>
+          <p:nvPr/>
+        </p:nvSpPr>
+        <p:spPr>
+          <a:xfrm>
+            <a:off x="0" y="0"/>
+            <a:ext cx="12192000" cy="6858000"/>
+          </a:xfrm>
+          <a:prstGeom prst="rect">
+            <a:avLst/>
+          </a:prstGeom>
+          <a:noFill/>
+          <a:ln w="38100">
+            <a:solidFill>
+              <a:srgbClr val="0070C0"/>
+            </a:solidFill>
+          </a:ln>
+        </p:spPr>
+        <p:style>
+          <a:lnRef idx="2">
+            <a:schemeClr val="accent1">
+              <a:shade val="50000"/>
+            </a:schemeClr>
+          </a:lnRef>
+          <a:fillRef idx="1">
+            <a:schemeClr val="accent1"/>
+          </a:fillRef>
+          <a:effectRef idx="0">
+            <a:schemeClr val="accent1"/>
+          </a:effectRef>
+          <a:fontRef idx="minor">
+            <a:schemeClr val="lt1"/>
+          </a:fontRef>
+        </p:style>
+        <p:txBody>
+          <a:bodyPr rtlCol="0" anchor="ctr"/>
+          <a:lstStyle/>
+          <a:p>
+            <a:pPr algn="ctr"/>
+            <a:endParaRPr lang="ko-KR" altLang="en-US"/>
+          </a:p>
+        </p:txBody>
+      </p:sp>
+      <p:sp>
+        <p:nvSpPr>
+          <p:cNvPr id="204" name="TextBox 203">
+            <a:extLst>
+              <a:ext uri="{FF2B5EF4-FFF2-40B4-BE49-F238E27FC236}">
+                <a16:creationId xmlns:a16="http://schemas.microsoft.com/office/drawing/2014/main" id="{2851CA0E-1928-41E5-87E3-41ADB5E56C66}"/>
+              </a:ext>
+            </a:extLst>
+          </p:cNvPr>
+          <p:cNvSpPr txBox="1"/>
+          <p:nvPr/>
+        </p:nvSpPr>
+        <p:spPr>
+          <a:xfrm>
+            <a:off x="2841743" y="346208"/>
+            <a:ext cx="6508513" cy="707886"/>
+          </a:xfrm>
+          <a:prstGeom prst="rect">
+            <a:avLst/>
+          </a:prstGeom>
+          <a:noFill/>
+        </p:spPr>
+        <p:txBody>
+          <a:bodyPr wrap="none" rtlCol="0">
+            <a:spAutoFit/>
+          </a:bodyPr>
+          <a:lstStyle/>
+          <a:p>
+            <a:r>
+              <a:rPr lang="en-US" altLang="ko-KR" sz="4000" dirty="0">
+                <a:solidFill>
+                  <a:srgbClr val="FF0000"/>
+                </a:solidFill>
+              </a:rPr>
+              <a:t>T</a:t>
+            </a:r>
+            <a:r>
+              <a:rPr lang="en-US" altLang="ko-KR" sz="4000" dirty="0"/>
+              <a:t>ime </a:t>
+            </a:r>
+            <a:r>
+              <a:rPr lang="en-US" altLang="ko-KR" sz="4000" dirty="0">
+                <a:solidFill>
+                  <a:srgbClr val="FF0000"/>
+                </a:solidFill>
+              </a:rPr>
+              <a:t>D</a:t>
+            </a:r>
+            <a:r>
+              <a:rPr lang="en-US" altLang="ko-KR" sz="4000" dirty="0"/>
+              <a:t>ivision </a:t>
+            </a:r>
+            <a:r>
+              <a:rPr lang="en-US" altLang="ko-KR" sz="4000" dirty="0">
+                <a:solidFill>
+                  <a:srgbClr val="FF0000"/>
+                </a:solidFill>
+              </a:rPr>
+              <a:t>M</a:t>
+            </a:r>
+            <a:r>
+              <a:rPr lang="en-US" altLang="ko-KR" sz="4000" dirty="0"/>
+              <a:t>ultiplexing</a:t>
+            </a:r>
+            <a:endParaRPr lang="ko-KR" altLang="en-US" sz="4000" dirty="0"/>
+          </a:p>
+        </p:txBody>
+      </p:sp>
+      <p:pic>
+        <p:nvPicPr>
+          <p:cNvPr id="3" name="그림 2">
+            <a:extLst>
+              <a:ext uri="{FF2B5EF4-FFF2-40B4-BE49-F238E27FC236}">
+                <a16:creationId xmlns:a16="http://schemas.microsoft.com/office/drawing/2014/main" id="{6E3C6329-7BFA-4CDB-898C-857ED6EB7972}"/>
+              </a:ext>
+            </a:extLst>
+          </p:cNvPr>
+          <p:cNvPicPr>
+            <a:picLocks noChangeAspect="1"/>
+          </p:cNvPicPr>
+          <p:nvPr/>
+        </p:nvPicPr>
+        <p:blipFill rotWithShape="1">
+          <a:blip r:embed="rId2"/>
+          <a:srcRect b="1519"/>
+          <a:stretch/>
+        </p:blipFill>
+        <p:spPr>
+          <a:xfrm>
+            <a:off x="1671125" y="2197784"/>
+            <a:ext cx="8849750" cy="3263449"/>
+          </a:xfrm>
+          <a:prstGeom prst="rect">
+            <a:avLst/>
+          </a:prstGeom>
+        </p:spPr>
+      </p:pic>
+    </p:spTree>
+    <p:extLst>
+      <p:ext uri="{BB962C8B-B14F-4D97-AF65-F5344CB8AC3E}">
+        <p14:creationId xmlns:p14="http://schemas.microsoft.com/office/powerpoint/2010/main" val="3838378275"/>
+      </p:ext>
+    </p:extLst>
+  </p:cSld>
+  <p:clrMapOvr>
+    <a:masterClrMapping/>
+  </p:clrMapOvr>
+</p:sld>
+</file>
+
+<file path=ppt/slides/slide26.xml><?xml version="1.0" encoding="utf-8"?>
+<p:sld xmlns:a="http://schemas.openxmlformats.org/drawingml/2006/main" xmlns:r="http://schemas.openxmlformats.org/officeDocument/2006/relationships" xmlns:p="http://schemas.openxmlformats.org/presentationml/2006/main">
+  <p:cSld>
+    <p:spTree>
+      <p:nvGrpSpPr>
+        <p:cNvPr id="1" name=""/>
+        <p:cNvGrpSpPr/>
+        <p:nvPr/>
+      </p:nvGrpSpPr>
+      <p:grpSpPr>
+        <a:xfrm>
+          <a:off x="0" y="0"/>
+          <a:ext cx="0" cy="0"/>
+          <a:chOff x="0" y="0"/>
+          <a:chExt cx="0" cy="0"/>
+        </a:xfrm>
+      </p:grpSpPr>
+      <p:sp>
+        <p:nvSpPr>
+          <p:cNvPr id="7" name="직사각형 6">
+            <a:extLst>
+              <a:ext uri="{FF2B5EF4-FFF2-40B4-BE49-F238E27FC236}">
+                <a16:creationId xmlns:a16="http://schemas.microsoft.com/office/drawing/2014/main" id="{2B1C9227-4805-40FF-82CD-1BEB872F1C4C}"/>
+              </a:ext>
+            </a:extLst>
+          </p:cNvPr>
+          <p:cNvSpPr/>
+          <p:nvPr/>
+        </p:nvSpPr>
+        <p:spPr>
+          <a:xfrm>
+            <a:off x="0" y="0"/>
+            <a:ext cx="12192000" cy="6858000"/>
+          </a:xfrm>
+          <a:prstGeom prst="rect">
+            <a:avLst/>
+          </a:prstGeom>
+          <a:noFill/>
+          <a:ln w="38100">
+            <a:solidFill>
+              <a:srgbClr val="0070C0"/>
+            </a:solidFill>
+          </a:ln>
+        </p:spPr>
+        <p:style>
+          <a:lnRef idx="2">
+            <a:schemeClr val="accent1">
+              <a:shade val="50000"/>
+            </a:schemeClr>
+          </a:lnRef>
+          <a:fillRef idx="1">
+            <a:schemeClr val="accent1"/>
+          </a:fillRef>
+          <a:effectRef idx="0">
+            <a:schemeClr val="accent1"/>
+          </a:effectRef>
+          <a:fontRef idx="minor">
+            <a:schemeClr val="lt1"/>
+          </a:fontRef>
+        </p:style>
+        <p:txBody>
+          <a:bodyPr rtlCol="0" anchor="ctr"/>
+          <a:lstStyle/>
+          <a:p>
+            <a:pPr algn="ctr"/>
+            <a:endParaRPr lang="ko-KR" altLang="en-US"/>
+          </a:p>
+        </p:txBody>
+      </p:sp>
+      <p:pic>
+        <p:nvPicPr>
+          <p:cNvPr id="2" name="그림 1">
+            <a:extLst>
+              <a:ext uri="{FF2B5EF4-FFF2-40B4-BE49-F238E27FC236}">
+                <a16:creationId xmlns:a16="http://schemas.microsoft.com/office/drawing/2014/main" id="{64F82CA4-1844-4B94-98D2-ABD993035E00}"/>
+              </a:ext>
+            </a:extLst>
+          </p:cNvPr>
+          <p:cNvPicPr>
+            <a:picLocks noChangeAspect="1"/>
+          </p:cNvPicPr>
+          <p:nvPr/>
+        </p:nvPicPr>
+        <p:blipFill>
+          <a:blip r:embed="rId2"/>
+          <a:stretch>
+            <a:fillRect/>
+          </a:stretch>
+        </p:blipFill>
+        <p:spPr>
+          <a:xfrm>
+            <a:off x="2818111" y="386286"/>
+            <a:ext cx="6555777" cy="5997839"/>
+          </a:xfrm>
+          <a:prstGeom prst="rect">
+            <a:avLst/>
+          </a:prstGeom>
+        </p:spPr>
+      </p:pic>
+    </p:spTree>
+    <p:extLst>
+      <p:ext uri="{BB962C8B-B14F-4D97-AF65-F5344CB8AC3E}">
+        <p14:creationId xmlns:p14="http://schemas.microsoft.com/office/powerpoint/2010/main" val="2197829320"/>
+      </p:ext>
+    </p:extLst>
+  </p:cSld>
+  <p:clrMapOvr>
+    <a:masterClrMapping/>
+  </p:clrMapOvr>
+</p:sld>
+</file>
+
+<file path=ppt/slides/slide27.xml><?xml version="1.0" encoding="utf-8"?>
 <p:sld xmlns:a="http://schemas.openxmlformats.org/drawingml/2006/main" xmlns:r="http://schemas.openxmlformats.org/officeDocument/2006/relationships" xmlns:p="http://schemas.openxmlformats.org/presentationml/2006/main">
   <p:cSld>
     <p:spTree>
@@ -18608,13 +19795,13 @@
   <p:clrMapOvr>
     <a:masterClrMapping/>
   </p:clrMapOvr>
-  <mc:AlternateContent xmlns:mc="http://schemas.openxmlformats.org/markup-compatibility/2006">
-    <mc:Choice xmlns:p159="http://schemas.microsoft.com/office/powerpoint/2015/09/main" Requires="p159">
+  <mc:AlternateContent xmlns:mc="http://schemas.openxmlformats.org/markup-compatibility/2006" xmlns:p159="http://schemas.microsoft.com/office/powerpoint/2015/09/main">
+    <mc:Choice Requires="p159">
       <p:transition xmlns:p14="http://schemas.microsoft.com/office/powerpoint/2010/main" spd="slow" p14:dur="2000">
         <p159:morph option="byObject"/>
       </p:transition>
     </mc:Choice>
-    <mc:Fallback>
+    <mc:Fallback xmlns="">
       <p:transition spd="slow">
         <p:fade/>
       </p:transition>

--- a/1. 네트워크/J103_RemoteSignal.pptx
+++ b/1. 네트워크/J103_RemoteSignal.pptx
@@ -22,16 +22,16 @@
     <p:sldId id="271" r:id="rId16"/>
     <p:sldId id="272" r:id="rId17"/>
     <p:sldId id="279" r:id="rId18"/>
-    <p:sldId id="275" r:id="rId19"/>
-    <p:sldId id="278" r:id="rId20"/>
-    <p:sldId id="280" r:id="rId21"/>
-    <p:sldId id="277" r:id="rId22"/>
-    <p:sldId id="274" r:id="rId23"/>
-    <p:sldId id="281" r:id="rId24"/>
-    <p:sldId id="283" r:id="rId25"/>
-    <p:sldId id="282" r:id="rId26"/>
-    <p:sldId id="284" r:id="rId27"/>
-    <p:sldId id="276" r:id="rId28"/>
+    <p:sldId id="278" r:id="rId19"/>
+    <p:sldId id="280" r:id="rId20"/>
+    <p:sldId id="277" r:id="rId21"/>
+    <p:sldId id="274" r:id="rId22"/>
+    <p:sldId id="281" r:id="rId23"/>
+    <p:sldId id="283" r:id="rId24"/>
+    <p:sldId id="282" r:id="rId25"/>
+    <p:sldId id="284" r:id="rId26"/>
+    <p:sldId id="285" r:id="rId27"/>
+    <p:sldId id="286" r:id="rId28"/>
   </p:sldIdLst>
   <p:sldSz cx="12192000" cy="6858000"/>
   <p:notesSz cx="6858000" cy="9144000"/>
@@ -16496,6 +16496,58 @@
           </a:prstGeom>
         </p:spPr>
       </p:pic>
+      <p:sp>
+        <p:nvSpPr>
+          <p:cNvPr id="2" name="직사각형 1">
+            <a:extLst>
+              <a:ext uri="{FF2B5EF4-FFF2-40B4-BE49-F238E27FC236}">
+                <a16:creationId xmlns:a16="http://schemas.microsoft.com/office/drawing/2014/main" id="{47AFE6F7-276D-4722-A273-F2B6F8E2AA3D}"/>
+              </a:ext>
+            </a:extLst>
+          </p:cNvPr>
+          <p:cNvSpPr/>
+          <p:nvPr/>
+        </p:nvSpPr>
+        <p:spPr>
+          <a:xfrm>
+            <a:off x="10652233" y="2149551"/>
+            <a:ext cx="1316254" cy="3789236"/>
+          </a:xfrm>
+          <a:prstGeom prst="rect">
+            <a:avLst/>
+          </a:prstGeom>
+          <a:noFill/>
+          <a:ln w="38100">
+            <a:solidFill>
+              <a:srgbClr val="FF0000"/>
+            </a:solidFill>
+          </a:ln>
+        </p:spPr>
+        <p:style>
+          <a:lnRef idx="2">
+            <a:schemeClr val="accent1">
+              <a:shade val="50000"/>
+            </a:schemeClr>
+          </a:lnRef>
+          <a:fillRef idx="1">
+            <a:schemeClr val="accent1"/>
+          </a:fillRef>
+          <a:effectRef idx="0">
+            <a:schemeClr val="accent1"/>
+          </a:effectRef>
+          <a:fontRef idx="minor">
+            <a:schemeClr val="lt1"/>
+          </a:fontRef>
+        </p:style>
+        <p:txBody>
+          <a:bodyPr rtlCol="0" anchor="ctr"/>
+          <a:lstStyle/>
+          <a:p>
+            <a:pPr algn="ctr"/>
+            <a:endParaRPr lang="ko-KR" altLang="en-US"/>
+          </a:p>
+        </p:txBody>
+      </p:sp>
     </p:spTree>
     <p:extLst>
       <p:ext uri="{BB962C8B-B14F-4D97-AF65-F5344CB8AC3E}">
@@ -16518,6 +16570,436 @@
 </file>
 
 <file path=ppt/slides/slide18.xml><?xml version="1.0" encoding="utf-8"?>
+<p:sld xmlns:a="http://schemas.openxmlformats.org/drawingml/2006/main" xmlns:r="http://schemas.openxmlformats.org/officeDocument/2006/relationships" xmlns:p="http://schemas.openxmlformats.org/presentationml/2006/main">
+  <p:cSld>
+    <p:spTree>
+      <p:nvGrpSpPr>
+        <p:cNvPr id="1" name=""/>
+        <p:cNvGrpSpPr/>
+        <p:nvPr/>
+      </p:nvGrpSpPr>
+      <p:grpSpPr>
+        <a:xfrm>
+          <a:off x="0" y="0"/>
+          <a:ext cx="0" cy="0"/>
+          <a:chOff x="0" y="0"/>
+          <a:chExt cx="0" cy="0"/>
+        </a:xfrm>
+      </p:grpSpPr>
+      <p:sp>
+        <p:nvSpPr>
+          <p:cNvPr id="16" name="사각형: 둥근 모서리 15">
+            <a:extLst>
+              <a:ext uri="{FF2B5EF4-FFF2-40B4-BE49-F238E27FC236}">
+                <a16:creationId xmlns:a16="http://schemas.microsoft.com/office/drawing/2014/main" id="{F8781311-B72A-4212-8878-997AFBBF0E0D}"/>
+              </a:ext>
+            </a:extLst>
+          </p:cNvPr>
+          <p:cNvSpPr/>
+          <p:nvPr/>
+        </p:nvSpPr>
+        <p:spPr>
+          <a:xfrm>
+            <a:off x="3281362" y="2192990"/>
+            <a:ext cx="5629275" cy="3476625"/>
+          </a:xfrm>
+          <a:prstGeom prst="roundRect">
+            <a:avLst/>
+          </a:prstGeom>
+          <a:noFill/>
+          <a:ln w="38100">
+            <a:solidFill>
+              <a:schemeClr val="tx1"/>
+            </a:solidFill>
+          </a:ln>
+        </p:spPr>
+        <p:style>
+          <a:lnRef idx="2">
+            <a:schemeClr val="accent1">
+              <a:shade val="50000"/>
+            </a:schemeClr>
+          </a:lnRef>
+          <a:fillRef idx="1">
+            <a:schemeClr val="accent1"/>
+          </a:fillRef>
+          <a:effectRef idx="0">
+            <a:schemeClr val="accent1"/>
+          </a:effectRef>
+          <a:fontRef idx="minor">
+            <a:schemeClr val="lt1"/>
+          </a:fontRef>
+        </p:style>
+        <p:txBody>
+          <a:bodyPr rtlCol="0" anchor="ctr"/>
+          <a:lstStyle/>
+          <a:p>
+            <a:pPr algn="ctr"/>
+            <a:endParaRPr lang="ko-KR" altLang="en-US"/>
+          </a:p>
+        </p:txBody>
+      </p:sp>
+      <p:sp>
+        <p:nvSpPr>
+          <p:cNvPr id="2" name="직사각형 1">
+            <a:extLst>
+              <a:ext uri="{FF2B5EF4-FFF2-40B4-BE49-F238E27FC236}">
+                <a16:creationId xmlns:a16="http://schemas.microsoft.com/office/drawing/2014/main" id="{5BCFCBA1-A9C2-46ED-B294-80D0029225E9}"/>
+              </a:ext>
+            </a:extLst>
+          </p:cNvPr>
+          <p:cNvSpPr/>
+          <p:nvPr/>
+        </p:nvSpPr>
+        <p:spPr>
+          <a:xfrm>
+            <a:off x="0" y="0"/>
+            <a:ext cx="12192000" cy="6858000"/>
+          </a:xfrm>
+          <a:prstGeom prst="rect">
+            <a:avLst/>
+          </a:prstGeom>
+          <a:noFill/>
+          <a:ln w="38100">
+            <a:solidFill>
+              <a:srgbClr val="FF0000"/>
+            </a:solidFill>
+          </a:ln>
+        </p:spPr>
+        <p:style>
+          <a:lnRef idx="2">
+            <a:schemeClr val="accent1">
+              <a:shade val="50000"/>
+            </a:schemeClr>
+          </a:lnRef>
+          <a:fillRef idx="1">
+            <a:schemeClr val="accent1"/>
+          </a:fillRef>
+          <a:effectRef idx="0">
+            <a:schemeClr val="accent1"/>
+          </a:effectRef>
+          <a:fontRef idx="minor">
+            <a:schemeClr val="lt1"/>
+          </a:fontRef>
+        </p:style>
+        <p:txBody>
+          <a:bodyPr rtlCol="0" anchor="ctr"/>
+          <a:lstStyle/>
+          <a:p>
+            <a:pPr algn="ctr"/>
+            <a:endParaRPr lang="ko-KR" altLang="en-US"/>
+          </a:p>
+        </p:txBody>
+      </p:sp>
+      <p:sp>
+        <p:nvSpPr>
+          <p:cNvPr id="4" name="TextBox 3">
+            <a:extLst>
+              <a:ext uri="{FF2B5EF4-FFF2-40B4-BE49-F238E27FC236}">
+                <a16:creationId xmlns:a16="http://schemas.microsoft.com/office/drawing/2014/main" id="{875993CD-F2FA-4FBA-A1C8-3FF27B058FE9}"/>
+              </a:ext>
+            </a:extLst>
+          </p:cNvPr>
+          <p:cNvSpPr txBox="1"/>
+          <p:nvPr/>
+        </p:nvSpPr>
+        <p:spPr>
+          <a:xfrm>
+            <a:off x="3692938" y="462260"/>
+            <a:ext cx="4806124" cy="923330"/>
+          </a:xfrm>
+          <a:prstGeom prst="rect">
+            <a:avLst/>
+          </a:prstGeom>
+          <a:noFill/>
+        </p:spPr>
+        <p:txBody>
+          <a:bodyPr wrap="none" rtlCol="0">
+            <a:spAutoFit/>
+          </a:bodyPr>
+          <a:lstStyle/>
+          <a:p>
+            <a:r>
+              <a:rPr lang="en-US" altLang="ko-KR" sz="5400" dirty="0"/>
+              <a:t>&lt; Duplexing &gt;</a:t>
+            </a:r>
+            <a:endParaRPr lang="ko-KR" altLang="en-US" sz="5400" dirty="0"/>
+          </a:p>
+        </p:txBody>
+      </p:sp>
+      <p:grpSp>
+        <p:nvGrpSpPr>
+          <p:cNvPr id="14" name="그룹 13">
+            <a:extLst>
+              <a:ext uri="{FF2B5EF4-FFF2-40B4-BE49-F238E27FC236}">
+                <a16:creationId xmlns:a16="http://schemas.microsoft.com/office/drawing/2014/main" id="{6C05E4D8-1034-46FE-9AEB-44373EA148D4}"/>
+              </a:ext>
+            </a:extLst>
+          </p:cNvPr>
+          <p:cNvGrpSpPr/>
+          <p:nvPr/>
+        </p:nvGrpSpPr>
+        <p:grpSpPr>
+          <a:xfrm>
+            <a:off x="3419473" y="2781299"/>
+            <a:ext cx="2142764" cy="2261805"/>
+            <a:chOff x="4190637" y="2543175"/>
+            <a:chExt cx="1371601" cy="1447800"/>
+          </a:xfrm>
+        </p:grpSpPr>
+        <p:pic>
+          <p:nvPicPr>
+            <p:cNvPr id="8" name="그래픽 7" descr="위성 안테나">
+              <a:extLst>
+                <a:ext uri="{FF2B5EF4-FFF2-40B4-BE49-F238E27FC236}">
+                  <a16:creationId xmlns:a16="http://schemas.microsoft.com/office/drawing/2014/main" id="{EEF04A0A-D75B-4A0D-BEAD-EDCBBEEB6B88}"/>
+                </a:ext>
+              </a:extLst>
+            </p:cNvPr>
+            <p:cNvPicPr>
+              <a:picLocks noChangeAspect="1"/>
+            </p:cNvPicPr>
+            <p:nvPr/>
+          </p:nvPicPr>
+          <p:blipFill>
+            <a:blip r:embed="rId2">
+              <a:extLst>
+                <a:ext uri="{28A0092B-C50C-407E-A947-70E740481C1C}">
+                  <a14:useLocalDpi xmlns:a14="http://schemas.microsoft.com/office/drawing/2010/main" val="0"/>
+                </a:ext>
+                <a:ext uri="{96DAC541-7B7A-43D3-8B79-37D633B846F1}">
+                  <asvg:svgBlip xmlns:asvg="http://schemas.microsoft.com/office/drawing/2016/SVG/main" r:embed="rId3"/>
+                </a:ext>
+              </a:extLst>
+            </a:blip>
+            <a:stretch>
+              <a:fillRect/>
+            </a:stretch>
+          </p:blipFill>
+          <p:spPr>
+            <a:xfrm flipH="1">
+              <a:off x="4647838" y="3076575"/>
+              <a:ext cx="914400" cy="914400"/>
+            </a:xfrm>
+            <a:prstGeom prst="rect">
+              <a:avLst/>
+            </a:prstGeom>
+          </p:spPr>
+        </p:pic>
+        <p:pic>
+          <p:nvPicPr>
+            <p:cNvPr id="12" name="그래픽 11" descr="WiFi">
+              <a:extLst>
+                <a:ext uri="{FF2B5EF4-FFF2-40B4-BE49-F238E27FC236}">
+                  <a16:creationId xmlns:a16="http://schemas.microsoft.com/office/drawing/2014/main" id="{802AA7A0-664B-4CD1-BB02-FB51F8297149}"/>
+                </a:ext>
+              </a:extLst>
+            </p:cNvPr>
+            <p:cNvPicPr>
+              <a:picLocks noChangeAspect="1"/>
+            </p:cNvPicPr>
+            <p:nvPr/>
+          </p:nvPicPr>
+          <p:blipFill>
+            <a:blip r:embed="rId4">
+              <a:extLst>
+                <a:ext uri="{28A0092B-C50C-407E-A947-70E740481C1C}">
+                  <a14:useLocalDpi xmlns:a14="http://schemas.microsoft.com/office/drawing/2010/main" val="0"/>
+                </a:ext>
+                <a:ext uri="{96DAC541-7B7A-43D3-8B79-37D633B846F1}">
+                  <asvg:svgBlip xmlns:asvg="http://schemas.microsoft.com/office/drawing/2016/SVG/main" r:embed="rId5"/>
+                </a:ext>
+              </a:extLst>
+            </a:blip>
+            <a:stretch>
+              <a:fillRect/>
+            </a:stretch>
+          </p:blipFill>
+          <p:spPr>
+            <a:xfrm rot="18900000">
+              <a:off x="4190637" y="2543175"/>
+              <a:ext cx="914400" cy="914400"/>
+            </a:xfrm>
+            <a:prstGeom prst="rect">
+              <a:avLst/>
+            </a:prstGeom>
+          </p:spPr>
+        </p:pic>
+      </p:grpSp>
+      <p:grpSp>
+        <p:nvGrpSpPr>
+          <p:cNvPr id="15" name="그룹 14">
+            <a:extLst>
+              <a:ext uri="{FF2B5EF4-FFF2-40B4-BE49-F238E27FC236}">
+                <a16:creationId xmlns:a16="http://schemas.microsoft.com/office/drawing/2014/main" id="{D7E1C04F-ED50-403B-9670-8313D042EB25}"/>
+              </a:ext>
+            </a:extLst>
+          </p:cNvPr>
+          <p:cNvGrpSpPr/>
+          <p:nvPr/>
+        </p:nvGrpSpPr>
+        <p:grpSpPr>
+          <a:xfrm>
+            <a:off x="6629765" y="2781299"/>
+            <a:ext cx="2142761" cy="2261805"/>
+            <a:chOff x="6629764" y="2543175"/>
+            <a:chExt cx="1371599" cy="1447800"/>
+          </a:xfrm>
+        </p:grpSpPr>
+        <p:pic>
+          <p:nvPicPr>
+            <p:cNvPr id="10" name="그래픽 9" descr="위성 안테나">
+              <a:extLst>
+                <a:ext uri="{FF2B5EF4-FFF2-40B4-BE49-F238E27FC236}">
+                  <a16:creationId xmlns:a16="http://schemas.microsoft.com/office/drawing/2014/main" id="{81A42567-E1BD-431B-895A-D21DE6198818}"/>
+                </a:ext>
+              </a:extLst>
+            </p:cNvPr>
+            <p:cNvPicPr>
+              <a:picLocks noChangeAspect="1"/>
+            </p:cNvPicPr>
+            <p:nvPr/>
+          </p:nvPicPr>
+          <p:blipFill>
+            <a:blip r:embed="rId6">
+              <a:extLst>
+                <a:ext uri="{28A0092B-C50C-407E-A947-70E740481C1C}">
+                  <a14:useLocalDpi xmlns:a14="http://schemas.microsoft.com/office/drawing/2010/main" val="0"/>
+                </a:ext>
+                <a:ext uri="{96DAC541-7B7A-43D3-8B79-37D633B846F1}">
+                  <asvg:svgBlip xmlns:asvg="http://schemas.microsoft.com/office/drawing/2016/SVG/main" r:embed="rId7"/>
+                </a:ext>
+              </a:extLst>
+            </a:blip>
+            <a:stretch>
+              <a:fillRect/>
+            </a:stretch>
+          </p:blipFill>
+          <p:spPr>
+            <a:xfrm>
+              <a:off x="6629764" y="3076575"/>
+              <a:ext cx="914400" cy="914400"/>
+            </a:xfrm>
+            <a:prstGeom prst="rect">
+              <a:avLst/>
+            </a:prstGeom>
+          </p:spPr>
+        </p:pic>
+        <p:pic>
+          <p:nvPicPr>
+            <p:cNvPr id="13" name="그래픽 12" descr="WiFi">
+              <a:extLst>
+                <a:ext uri="{FF2B5EF4-FFF2-40B4-BE49-F238E27FC236}">
+                  <a16:creationId xmlns:a16="http://schemas.microsoft.com/office/drawing/2014/main" id="{4EDF68F9-9CD1-4882-A1A2-285EADE13D9A}"/>
+                </a:ext>
+              </a:extLst>
+            </p:cNvPr>
+            <p:cNvPicPr>
+              <a:picLocks noChangeAspect="1"/>
+            </p:cNvPicPr>
+            <p:nvPr/>
+          </p:nvPicPr>
+          <p:blipFill>
+            <a:blip r:embed="rId4">
+              <a:extLst>
+                <a:ext uri="{28A0092B-C50C-407E-A947-70E740481C1C}">
+                  <a14:useLocalDpi xmlns:a14="http://schemas.microsoft.com/office/drawing/2010/main" val="0"/>
+                </a:ext>
+                <a:ext uri="{96DAC541-7B7A-43D3-8B79-37D633B846F1}">
+                  <asvg:svgBlip xmlns:asvg="http://schemas.microsoft.com/office/drawing/2016/SVG/main" r:embed="rId5"/>
+                </a:ext>
+              </a:extLst>
+            </a:blip>
+            <a:stretch>
+              <a:fillRect/>
+            </a:stretch>
+          </p:blipFill>
+          <p:spPr>
+            <a:xfrm rot="2700000" flipH="1">
+              <a:off x="7086963" y="2543175"/>
+              <a:ext cx="914400" cy="914400"/>
+            </a:xfrm>
+            <a:prstGeom prst="rect">
+              <a:avLst/>
+            </a:prstGeom>
+          </p:spPr>
+        </p:pic>
+      </p:grpSp>
+      <p:sp>
+        <p:nvSpPr>
+          <p:cNvPr id="17" name="직사각형 16">
+            <a:extLst>
+              <a:ext uri="{FF2B5EF4-FFF2-40B4-BE49-F238E27FC236}">
+                <a16:creationId xmlns:a16="http://schemas.microsoft.com/office/drawing/2014/main" id="{AB9AC4C5-601C-4840-B79F-148DA6A1ABA6}"/>
+              </a:ext>
+            </a:extLst>
+          </p:cNvPr>
+          <p:cNvSpPr/>
+          <p:nvPr/>
+        </p:nvSpPr>
+        <p:spPr>
+          <a:xfrm>
+            <a:off x="3692938" y="1954865"/>
+            <a:ext cx="476250" cy="476250"/>
+          </a:xfrm>
+          <a:prstGeom prst="rect">
+            <a:avLst/>
+          </a:prstGeom>
+        </p:spPr>
+        <p:style>
+          <a:lnRef idx="2">
+            <a:schemeClr val="dk1">
+              <a:shade val="50000"/>
+            </a:schemeClr>
+          </a:lnRef>
+          <a:fillRef idx="1">
+            <a:schemeClr val="dk1"/>
+          </a:fillRef>
+          <a:effectRef idx="0">
+            <a:schemeClr val="dk1"/>
+          </a:effectRef>
+          <a:fontRef idx="minor">
+            <a:schemeClr val="lt1"/>
+          </a:fontRef>
+        </p:style>
+        <p:txBody>
+          <a:bodyPr rtlCol="0" anchor="ctr"/>
+          <a:lstStyle/>
+          <a:p>
+            <a:pPr algn="ctr"/>
+            <a:r>
+              <a:rPr lang="en-US" altLang="ko-KR" dirty="0"/>
+              <a:t>AP</a:t>
+            </a:r>
+            <a:endParaRPr lang="ko-KR" altLang="en-US" dirty="0"/>
+          </a:p>
+        </p:txBody>
+      </p:sp>
+    </p:spTree>
+    <p:extLst>
+      <p:ext uri="{BB962C8B-B14F-4D97-AF65-F5344CB8AC3E}">
+        <p14:creationId xmlns:p14="http://schemas.microsoft.com/office/powerpoint/2010/main" val="2268708011"/>
+      </p:ext>
+    </p:extLst>
+  </p:cSld>
+  <p:clrMapOvr>
+    <a:masterClrMapping/>
+  </p:clrMapOvr>
+  <mc:AlternateContent xmlns:mc="http://schemas.openxmlformats.org/markup-compatibility/2006" xmlns:p159="http://schemas.microsoft.com/office/powerpoint/2015/09/main">
+    <mc:Choice Requires="p159">
+      <p:transition xmlns:p14="http://schemas.microsoft.com/office/powerpoint/2010/main" spd="slow" p14:dur="2000">
+        <p159:morph option="byObject"/>
+      </p:transition>
+    </mc:Choice>
+    <mc:Fallback xmlns="">
+      <p:transition spd="slow">
+        <p:fade/>
+      </p:transition>
+    </mc:Fallback>
+  </mc:AlternateContent>
+</p:sld>
+</file>
+
+<file path=ppt/slides/slide19.xml><?xml version="1.0" encoding="utf-8"?>
 <p:sld xmlns:a="http://schemas.openxmlformats.org/drawingml/2006/main" xmlns:r="http://schemas.openxmlformats.org/officeDocument/2006/relationships" xmlns:p="http://schemas.openxmlformats.org/presentationml/2006/main">
   <p:cSld>
     <p:spTree>
@@ -16744,433 +17226,7 @@
     </p:spTree>
     <p:extLst>
       <p:ext uri="{BB962C8B-B14F-4D97-AF65-F5344CB8AC3E}">
-        <p14:creationId xmlns:p14="http://schemas.microsoft.com/office/powerpoint/2010/main" val="4216712701"/>
-      </p:ext>
-    </p:extLst>
-  </p:cSld>
-  <p:clrMapOvr>
-    <a:masterClrMapping/>
-  </p:clrMapOvr>
-  <mc:AlternateContent xmlns:mc="http://schemas.openxmlformats.org/markup-compatibility/2006" xmlns:p14="http://schemas.microsoft.com/office/powerpoint/2010/main">
-    <mc:Choice Requires="p14">
-      <p:transition p14:dur="10"/>
-    </mc:Choice>
-    <mc:Fallback xmlns="">
-      <p:transition/>
-    </mc:Fallback>
-  </mc:AlternateContent>
-</p:sld>
-</file>
-
-<file path=ppt/slides/slide19.xml><?xml version="1.0" encoding="utf-8"?>
-<p:sld xmlns:a="http://schemas.openxmlformats.org/drawingml/2006/main" xmlns:r="http://schemas.openxmlformats.org/officeDocument/2006/relationships" xmlns:p="http://schemas.openxmlformats.org/presentationml/2006/main">
-  <p:cSld>
-    <p:spTree>
-      <p:nvGrpSpPr>
-        <p:cNvPr id="1" name=""/>
-        <p:cNvGrpSpPr/>
-        <p:nvPr/>
-      </p:nvGrpSpPr>
-      <p:grpSpPr>
-        <a:xfrm>
-          <a:off x="0" y="0"/>
-          <a:ext cx="0" cy="0"/>
-          <a:chOff x="0" y="0"/>
-          <a:chExt cx="0" cy="0"/>
-        </a:xfrm>
-      </p:grpSpPr>
-      <p:sp>
-        <p:nvSpPr>
-          <p:cNvPr id="16" name="사각형: 둥근 모서리 15">
-            <a:extLst>
-              <a:ext uri="{FF2B5EF4-FFF2-40B4-BE49-F238E27FC236}">
-                <a16:creationId xmlns:a16="http://schemas.microsoft.com/office/drawing/2014/main" id="{F8781311-B72A-4212-8878-997AFBBF0E0D}"/>
-              </a:ext>
-            </a:extLst>
-          </p:cNvPr>
-          <p:cNvSpPr/>
-          <p:nvPr/>
-        </p:nvSpPr>
-        <p:spPr>
-          <a:xfrm>
-            <a:off x="3281362" y="2192990"/>
-            <a:ext cx="5629275" cy="3476625"/>
-          </a:xfrm>
-          <a:prstGeom prst="roundRect">
-            <a:avLst/>
-          </a:prstGeom>
-          <a:noFill/>
-          <a:ln w="38100">
-            <a:solidFill>
-              <a:schemeClr val="tx1"/>
-            </a:solidFill>
-          </a:ln>
-        </p:spPr>
-        <p:style>
-          <a:lnRef idx="2">
-            <a:schemeClr val="accent1">
-              <a:shade val="50000"/>
-            </a:schemeClr>
-          </a:lnRef>
-          <a:fillRef idx="1">
-            <a:schemeClr val="accent1"/>
-          </a:fillRef>
-          <a:effectRef idx="0">
-            <a:schemeClr val="accent1"/>
-          </a:effectRef>
-          <a:fontRef idx="minor">
-            <a:schemeClr val="lt1"/>
-          </a:fontRef>
-        </p:style>
-        <p:txBody>
-          <a:bodyPr rtlCol="0" anchor="ctr"/>
-          <a:lstStyle/>
-          <a:p>
-            <a:pPr algn="ctr"/>
-            <a:endParaRPr lang="ko-KR" altLang="en-US"/>
-          </a:p>
-        </p:txBody>
-      </p:sp>
-      <p:sp>
-        <p:nvSpPr>
-          <p:cNvPr id="2" name="직사각형 1">
-            <a:extLst>
-              <a:ext uri="{FF2B5EF4-FFF2-40B4-BE49-F238E27FC236}">
-                <a16:creationId xmlns:a16="http://schemas.microsoft.com/office/drawing/2014/main" id="{5BCFCBA1-A9C2-46ED-B294-80D0029225E9}"/>
-              </a:ext>
-            </a:extLst>
-          </p:cNvPr>
-          <p:cNvSpPr/>
-          <p:nvPr/>
-        </p:nvSpPr>
-        <p:spPr>
-          <a:xfrm>
-            <a:off x="0" y="0"/>
-            <a:ext cx="12192000" cy="6858000"/>
-          </a:xfrm>
-          <a:prstGeom prst="rect">
-            <a:avLst/>
-          </a:prstGeom>
-          <a:noFill/>
-          <a:ln w="38100">
-            <a:solidFill>
-              <a:srgbClr val="FF0000"/>
-            </a:solidFill>
-          </a:ln>
-        </p:spPr>
-        <p:style>
-          <a:lnRef idx="2">
-            <a:schemeClr val="accent1">
-              <a:shade val="50000"/>
-            </a:schemeClr>
-          </a:lnRef>
-          <a:fillRef idx="1">
-            <a:schemeClr val="accent1"/>
-          </a:fillRef>
-          <a:effectRef idx="0">
-            <a:schemeClr val="accent1"/>
-          </a:effectRef>
-          <a:fontRef idx="minor">
-            <a:schemeClr val="lt1"/>
-          </a:fontRef>
-        </p:style>
-        <p:txBody>
-          <a:bodyPr rtlCol="0" anchor="ctr"/>
-          <a:lstStyle/>
-          <a:p>
-            <a:pPr algn="ctr"/>
-            <a:endParaRPr lang="ko-KR" altLang="en-US"/>
-          </a:p>
-        </p:txBody>
-      </p:sp>
-      <p:sp>
-        <p:nvSpPr>
-          <p:cNvPr id="4" name="TextBox 3">
-            <a:extLst>
-              <a:ext uri="{FF2B5EF4-FFF2-40B4-BE49-F238E27FC236}">
-                <a16:creationId xmlns:a16="http://schemas.microsoft.com/office/drawing/2014/main" id="{875993CD-F2FA-4FBA-A1C8-3FF27B058FE9}"/>
-              </a:ext>
-            </a:extLst>
-          </p:cNvPr>
-          <p:cNvSpPr txBox="1"/>
-          <p:nvPr/>
-        </p:nvSpPr>
-        <p:spPr>
-          <a:xfrm>
-            <a:off x="3692938" y="462260"/>
-            <a:ext cx="4806124" cy="923330"/>
-          </a:xfrm>
-          <a:prstGeom prst="rect">
-            <a:avLst/>
-          </a:prstGeom>
-          <a:noFill/>
-        </p:spPr>
-        <p:txBody>
-          <a:bodyPr wrap="none" rtlCol="0">
-            <a:spAutoFit/>
-          </a:bodyPr>
-          <a:lstStyle/>
-          <a:p>
-            <a:r>
-              <a:rPr lang="en-US" altLang="ko-KR" sz="5400" dirty="0"/>
-              <a:t>&lt; Duplexing &gt;</a:t>
-            </a:r>
-            <a:endParaRPr lang="ko-KR" altLang="en-US" sz="5400" dirty="0"/>
-          </a:p>
-        </p:txBody>
-      </p:sp>
-      <p:grpSp>
-        <p:nvGrpSpPr>
-          <p:cNvPr id="14" name="그룹 13">
-            <a:extLst>
-              <a:ext uri="{FF2B5EF4-FFF2-40B4-BE49-F238E27FC236}">
-                <a16:creationId xmlns:a16="http://schemas.microsoft.com/office/drawing/2014/main" id="{6C05E4D8-1034-46FE-9AEB-44373EA148D4}"/>
-              </a:ext>
-            </a:extLst>
-          </p:cNvPr>
-          <p:cNvGrpSpPr/>
-          <p:nvPr/>
-        </p:nvGrpSpPr>
-        <p:grpSpPr>
-          <a:xfrm>
-            <a:off x="3419473" y="2781299"/>
-            <a:ext cx="2142764" cy="2261805"/>
-            <a:chOff x="4190637" y="2543175"/>
-            <a:chExt cx="1371601" cy="1447800"/>
-          </a:xfrm>
-        </p:grpSpPr>
-        <p:pic>
-          <p:nvPicPr>
-            <p:cNvPr id="8" name="그래픽 7" descr="위성 안테나">
-              <a:extLst>
-                <a:ext uri="{FF2B5EF4-FFF2-40B4-BE49-F238E27FC236}">
-                  <a16:creationId xmlns:a16="http://schemas.microsoft.com/office/drawing/2014/main" id="{EEF04A0A-D75B-4A0D-BEAD-EDCBBEEB6B88}"/>
-                </a:ext>
-              </a:extLst>
-            </p:cNvPr>
-            <p:cNvPicPr>
-              <a:picLocks noChangeAspect="1"/>
-            </p:cNvPicPr>
-            <p:nvPr/>
-          </p:nvPicPr>
-          <p:blipFill>
-            <a:blip r:embed="rId2">
-              <a:extLst>
-                <a:ext uri="{28A0092B-C50C-407E-A947-70E740481C1C}">
-                  <a14:useLocalDpi xmlns:a14="http://schemas.microsoft.com/office/drawing/2010/main" val="0"/>
-                </a:ext>
-                <a:ext uri="{96DAC541-7B7A-43D3-8B79-37D633B846F1}">
-                  <asvg:svgBlip xmlns:asvg="http://schemas.microsoft.com/office/drawing/2016/SVG/main" r:embed="rId3"/>
-                </a:ext>
-              </a:extLst>
-            </a:blip>
-            <a:stretch>
-              <a:fillRect/>
-            </a:stretch>
-          </p:blipFill>
-          <p:spPr>
-            <a:xfrm flipH="1">
-              <a:off x="4647838" y="3076575"/>
-              <a:ext cx="914400" cy="914400"/>
-            </a:xfrm>
-            <a:prstGeom prst="rect">
-              <a:avLst/>
-            </a:prstGeom>
-          </p:spPr>
-        </p:pic>
-        <p:pic>
-          <p:nvPicPr>
-            <p:cNvPr id="12" name="그래픽 11" descr="WiFi">
-              <a:extLst>
-                <a:ext uri="{FF2B5EF4-FFF2-40B4-BE49-F238E27FC236}">
-                  <a16:creationId xmlns:a16="http://schemas.microsoft.com/office/drawing/2014/main" id="{802AA7A0-664B-4CD1-BB02-FB51F8297149}"/>
-                </a:ext>
-              </a:extLst>
-            </p:cNvPr>
-            <p:cNvPicPr>
-              <a:picLocks noChangeAspect="1"/>
-            </p:cNvPicPr>
-            <p:nvPr/>
-          </p:nvPicPr>
-          <p:blipFill>
-            <a:blip r:embed="rId4">
-              <a:extLst>
-                <a:ext uri="{28A0092B-C50C-407E-A947-70E740481C1C}">
-                  <a14:useLocalDpi xmlns:a14="http://schemas.microsoft.com/office/drawing/2010/main" val="0"/>
-                </a:ext>
-                <a:ext uri="{96DAC541-7B7A-43D3-8B79-37D633B846F1}">
-                  <asvg:svgBlip xmlns:asvg="http://schemas.microsoft.com/office/drawing/2016/SVG/main" r:embed="rId5"/>
-                </a:ext>
-              </a:extLst>
-            </a:blip>
-            <a:stretch>
-              <a:fillRect/>
-            </a:stretch>
-          </p:blipFill>
-          <p:spPr>
-            <a:xfrm rot="18900000">
-              <a:off x="4190637" y="2543175"/>
-              <a:ext cx="914400" cy="914400"/>
-            </a:xfrm>
-            <a:prstGeom prst="rect">
-              <a:avLst/>
-            </a:prstGeom>
-          </p:spPr>
-        </p:pic>
-      </p:grpSp>
-      <p:grpSp>
-        <p:nvGrpSpPr>
-          <p:cNvPr id="15" name="그룹 14">
-            <a:extLst>
-              <a:ext uri="{FF2B5EF4-FFF2-40B4-BE49-F238E27FC236}">
-                <a16:creationId xmlns:a16="http://schemas.microsoft.com/office/drawing/2014/main" id="{D7E1C04F-ED50-403B-9670-8313D042EB25}"/>
-              </a:ext>
-            </a:extLst>
-          </p:cNvPr>
-          <p:cNvGrpSpPr/>
-          <p:nvPr/>
-        </p:nvGrpSpPr>
-        <p:grpSpPr>
-          <a:xfrm>
-            <a:off x="6629765" y="2781299"/>
-            <a:ext cx="2142761" cy="2261805"/>
-            <a:chOff x="6629764" y="2543175"/>
-            <a:chExt cx="1371599" cy="1447800"/>
-          </a:xfrm>
-        </p:grpSpPr>
-        <p:pic>
-          <p:nvPicPr>
-            <p:cNvPr id="10" name="그래픽 9" descr="위성 안테나">
-              <a:extLst>
-                <a:ext uri="{FF2B5EF4-FFF2-40B4-BE49-F238E27FC236}">
-                  <a16:creationId xmlns:a16="http://schemas.microsoft.com/office/drawing/2014/main" id="{81A42567-E1BD-431B-895A-D21DE6198818}"/>
-                </a:ext>
-              </a:extLst>
-            </p:cNvPr>
-            <p:cNvPicPr>
-              <a:picLocks noChangeAspect="1"/>
-            </p:cNvPicPr>
-            <p:nvPr/>
-          </p:nvPicPr>
-          <p:blipFill>
-            <a:blip r:embed="rId6">
-              <a:extLst>
-                <a:ext uri="{28A0092B-C50C-407E-A947-70E740481C1C}">
-                  <a14:useLocalDpi xmlns:a14="http://schemas.microsoft.com/office/drawing/2010/main" val="0"/>
-                </a:ext>
-                <a:ext uri="{96DAC541-7B7A-43D3-8B79-37D633B846F1}">
-                  <asvg:svgBlip xmlns:asvg="http://schemas.microsoft.com/office/drawing/2016/SVG/main" r:embed="rId7"/>
-                </a:ext>
-              </a:extLst>
-            </a:blip>
-            <a:stretch>
-              <a:fillRect/>
-            </a:stretch>
-          </p:blipFill>
-          <p:spPr>
-            <a:xfrm>
-              <a:off x="6629764" y="3076575"/>
-              <a:ext cx="914400" cy="914400"/>
-            </a:xfrm>
-            <a:prstGeom prst="rect">
-              <a:avLst/>
-            </a:prstGeom>
-          </p:spPr>
-        </p:pic>
-        <p:pic>
-          <p:nvPicPr>
-            <p:cNvPr id="13" name="그래픽 12" descr="WiFi">
-              <a:extLst>
-                <a:ext uri="{FF2B5EF4-FFF2-40B4-BE49-F238E27FC236}">
-                  <a16:creationId xmlns:a16="http://schemas.microsoft.com/office/drawing/2014/main" id="{4EDF68F9-9CD1-4882-A1A2-285EADE13D9A}"/>
-                </a:ext>
-              </a:extLst>
-            </p:cNvPr>
-            <p:cNvPicPr>
-              <a:picLocks noChangeAspect="1"/>
-            </p:cNvPicPr>
-            <p:nvPr/>
-          </p:nvPicPr>
-          <p:blipFill>
-            <a:blip r:embed="rId4">
-              <a:extLst>
-                <a:ext uri="{28A0092B-C50C-407E-A947-70E740481C1C}">
-                  <a14:useLocalDpi xmlns:a14="http://schemas.microsoft.com/office/drawing/2010/main" val="0"/>
-                </a:ext>
-                <a:ext uri="{96DAC541-7B7A-43D3-8B79-37D633B846F1}">
-                  <asvg:svgBlip xmlns:asvg="http://schemas.microsoft.com/office/drawing/2016/SVG/main" r:embed="rId5"/>
-                </a:ext>
-              </a:extLst>
-            </a:blip>
-            <a:stretch>
-              <a:fillRect/>
-            </a:stretch>
-          </p:blipFill>
-          <p:spPr>
-            <a:xfrm rot="2700000" flipH="1">
-              <a:off x="7086963" y="2543175"/>
-              <a:ext cx="914400" cy="914400"/>
-            </a:xfrm>
-            <a:prstGeom prst="rect">
-              <a:avLst/>
-            </a:prstGeom>
-          </p:spPr>
-        </p:pic>
-      </p:grpSp>
-      <p:sp>
-        <p:nvSpPr>
-          <p:cNvPr id="17" name="직사각형 16">
-            <a:extLst>
-              <a:ext uri="{FF2B5EF4-FFF2-40B4-BE49-F238E27FC236}">
-                <a16:creationId xmlns:a16="http://schemas.microsoft.com/office/drawing/2014/main" id="{AB9AC4C5-601C-4840-B79F-148DA6A1ABA6}"/>
-              </a:ext>
-            </a:extLst>
-          </p:cNvPr>
-          <p:cNvSpPr/>
-          <p:nvPr/>
-        </p:nvSpPr>
-        <p:spPr>
-          <a:xfrm>
-            <a:off x="3692938" y="1954865"/>
-            <a:ext cx="476250" cy="476250"/>
-          </a:xfrm>
-          <a:prstGeom prst="rect">
-            <a:avLst/>
-          </a:prstGeom>
-        </p:spPr>
-        <p:style>
-          <a:lnRef idx="2">
-            <a:schemeClr val="dk1">
-              <a:shade val="50000"/>
-            </a:schemeClr>
-          </a:lnRef>
-          <a:fillRef idx="1">
-            <a:schemeClr val="dk1"/>
-          </a:fillRef>
-          <a:effectRef idx="0">
-            <a:schemeClr val="dk1"/>
-          </a:effectRef>
-          <a:fontRef idx="minor">
-            <a:schemeClr val="lt1"/>
-          </a:fontRef>
-        </p:style>
-        <p:txBody>
-          <a:bodyPr rtlCol="0" anchor="ctr"/>
-          <a:lstStyle/>
-          <a:p>
-            <a:pPr algn="ctr"/>
-            <a:r>
-              <a:rPr lang="en-US" altLang="ko-KR" dirty="0"/>
-              <a:t>AP</a:t>
-            </a:r>
-            <a:endParaRPr lang="ko-KR" altLang="en-US" dirty="0"/>
-          </a:p>
-        </p:txBody>
-      </p:sp>
-    </p:spTree>
-    <p:extLst>
-      <p:ext uri="{BB962C8B-B14F-4D97-AF65-F5344CB8AC3E}">
-        <p14:creationId xmlns:p14="http://schemas.microsoft.com/office/powerpoint/2010/main" val="2268708011"/>
+        <p14:creationId xmlns:p14="http://schemas.microsoft.com/office/powerpoint/2010/main" val="1307080858"/>
       </p:ext>
     </p:extLst>
   </p:cSld>
@@ -17753,255 +17809,6 @@
       </p:sp>
       <p:grpSp>
         <p:nvGrpSpPr>
-          <p:cNvPr id="20" name="그룹 19">
-            <a:extLst>
-              <a:ext uri="{FF2B5EF4-FFF2-40B4-BE49-F238E27FC236}">
-                <a16:creationId xmlns:a16="http://schemas.microsoft.com/office/drawing/2014/main" id="{AF4E6878-3708-4741-BB7E-74D30A081090}"/>
-              </a:ext>
-            </a:extLst>
-          </p:cNvPr>
-          <p:cNvGrpSpPr/>
-          <p:nvPr/>
-        </p:nvGrpSpPr>
-        <p:grpSpPr>
-          <a:xfrm>
-            <a:off x="0" y="0"/>
-            <a:ext cx="12192000" cy="6858000"/>
-            <a:chOff x="0" y="0"/>
-            <a:chExt cx="12192000" cy="6858000"/>
-          </a:xfrm>
-        </p:grpSpPr>
-        <p:pic>
-          <p:nvPicPr>
-            <p:cNvPr id="5" name="그림 4">
-              <a:extLst>
-                <a:ext uri="{FF2B5EF4-FFF2-40B4-BE49-F238E27FC236}">
-                  <a16:creationId xmlns:a16="http://schemas.microsoft.com/office/drawing/2014/main" id="{6AA3F58A-05AA-4E7C-A390-A8519F810201}"/>
-                </a:ext>
-              </a:extLst>
-            </p:cNvPr>
-            <p:cNvPicPr>
-              <a:picLocks noChangeAspect="1"/>
-            </p:cNvPicPr>
-            <p:nvPr/>
-          </p:nvPicPr>
-          <p:blipFill>
-            <a:blip r:embed="rId2"/>
-            <a:stretch>
-              <a:fillRect/>
-            </a:stretch>
-          </p:blipFill>
-          <p:spPr>
-            <a:xfrm>
-              <a:off x="0" y="0"/>
-              <a:ext cx="12192000" cy="6858000"/>
-            </a:xfrm>
-            <a:prstGeom prst="rect">
-              <a:avLst/>
-            </a:prstGeom>
-          </p:spPr>
-        </p:pic>
-        <p:sp>
-          <p:nvSpPr>
-            <p:cNvPr id="209" name="직사각형 208">
-              <a:extLst>
-                <a:ext uri="{FF2B5EF4-FFF2-40B4-BE49-F238E27FC236}">
-                  <a16:creationId xmlns:a16="http://schemas.microsoft.com/office/drawing/2014/main" id="{6324FB1E-2B0F-4CFD-8B61-BBC4A6D5C45F}"/>
-                </a:ext>
-              </a:extLst>
-            </p:cNvPr>
-            <p:cNvSpPr/>
-            <p:nvPr/>
-          </p:nvSpPr>
-          <p:spPr>
-            <a:xfrm>
-              <a:off x="10652233" y="2149551"/>
-              <a:ext cx="1316254" cy="3789236"/>
-            </a:xfrm>
-            <a:prstGeom prst="rect">
-              <a:avLst/>
-            </a:prstGeom>
-            <a:noFill/>
-            <a:ln w="57150">
-              <a:solidFill>
-                <a:schemeClr val="bg1"/>
-              </a:solidFill>
-            </a:ln>
-          </p:spPr>
-          <p:style>
-            <a:lnRef idx="2">
-              <a:schemeClr val="accent1">
-                <a:shade val="50000"/>
-              </a:schemeClr>
-            </a:lnRef>
-            <a:fillRef idx="1">
-              <a:schemeClr val="accent1"/>
-            </a:fillRef>
-            <a:effectRef idx="0">
-              <a:schemeClr val="accent1"/>
-            </a:effectRef>
-            <a:fontRef idx="minor">
-              <a:schemeClr val="lt1"/>
-            </a:fontRef>
-          </p:style>
-          <p:txBody>
-            <a:bodyPr rtlCol="0" anchor="ctr"/>
-            <a:lstStyle/>
-            <a:p>
-              <a:pPr algn="ctr"/>
-              <a:endParaRPr lang="ko-KR" altLang="en-US"/>
-            </a:p>
-          </p:txBody>
-        </p:sp>
-      </p:grpSp>
-      <p:sp>
-        <p:nvSpPr>
-          <p:cNvPr id="208" name="직사각형 207">
-            <a:extLst>
-              <a:ext uri="{FF2B5EF4-FFF2-40B4-BE49-F238E27FC236}">
-                <a16:creationId xmlns:a16="http://schemas.microsoft.com/office/drawing/2014/main" id="{53D71141-59D7-4622-A226-D4D794B567F0}"/>
-              </a:ext>
-            </a:extLst>
-          </p:cNvPr>
-          <p:cNvSpPr/>
-          <p:nvPr/>
-        </p:nvSpPr>
-        <p:spPr>
-          <a:xfrm>
-            <a:off x="10652233" y="2149551"/>
-            <a:ext cx="1316254" cy="3789236"/>
-          </a:xfrm>
-          <a:prstGeom prst="rect">
-            <a:avLst/>
-          </a:prstGeom>
-          <a:noFill/>
-          <a:ln w="38100">
-            <a:solidFill>
-              <a:srgbClr val="FF0000"/>
-            </a:solidFill>
-          </a:ln>
-        </p:spPr>
-        <p:style>
-          <a:lnRef idx="2">
-            <a:schemeClr val="accent1">
-              <a:shade val="50000"/>
-            </a:schemeClr>
-          </a:lnRef>
-          <a:fillRef idx="1">
-            <a:schemeClr val="accent1"/>
-          </a:fillRef>
-          <a:effectRef idx="0">
-            <a:schemeClr val="accent1"/>
-          </a:effectRef>
-          <a:fontRef idx="minor">
-            <a:schemeClr val="lt1"/>
-          </a:fontRef>
-        </p:style>
-        <p:txBody>
-          <a:bodyPr rtlCol="0" anchor="ctr"/>
-          <a:lstStyle/>
-          <a:p>
-            <a:pPr algn="ctr"/>
-            <a:endParaRPr lang="ko-KR" altLang="en-US"/>
-          </a:p>
-        </p:txBody>
-      </p:sp>
-    </p:spTree>
-    <p:extLst>
-      <p:ext uri="{BB962C8B-B14F-4D97-AF65-F5344CB8AC3E}">
-        <p14:creationId xmlns:p14="http://schemas.microsoft.com/office/powerpoint/2010/main" val="1307080858"/>
-      </p:ext>
-    </p:extLst>
-  </p:cSld>
-  <p:clrMapOvr>
-    <a:masterClrMapping/>
-  </p:clrMapOvr>
-  <mc:AlternateContent xmlns:mc="http://schemas.openxmlformats.org/markup-compatibility/2006" xmlns:p159="http://schemas.microsoft.com/office/powerpoint/2015/09/main">
-    <mc:Choice Requires="p159">
-      <p:transition xmlns:p14="http://schemas.microsoft.com/office/powerpoint/2010/main" spd="slow" p14:dur="2000">
-        <p159:morph option="byObject"/>
-      </p:transition>
-    </mc:Choice>
-    <mc:Fallback xmlns="">
-      <p:transition spd="slow">
-        <p:fade/>
-      </p:transition>
-    </mc:Fallback>
-  </mc:AlternateContent>
-</p:sld>
-</file>
-
-<file path=ppt/slides/slide21.xml><?xml version="1.0" encoding="utf-8"?>
-<p:sld xmlns:a="http://schemas.openxmlformats.org/drawingml/2006/main" xmlns:r="http://schemas.openxmlformats.org/officeDocument/2006/relationships" xmlns:p="http://schemas.openxmlformats.org/presentationml/2006/main">
-  <p:cSld>
-    <p:spTree>
-      <p:nvGrpSpPr>
-        <p:cNvPr id="1" name=""/>
-        <p:cNvGrpSpPr/>
-        <p:nvPr/>
-      </p:nvGrpSpPr>
-      <p:grpSpPr>
-        <a:xfrm>
-          <a:off x="0" y="0"/>
-          <a:ext cx="0" cy="0"/>
-          <a:chOff x="0" y="0"/>
-          <a:chExt cx="0" cy="0"/>
-        </a:xfrm>
-      </p:grpSpPr>
-      <p:sp>
-        <p:nvSpPr>
-          <p:cNvPr id="6" name="직사각형 5">
-            <a:extLst>
-              <a:ext uri="{FF2B5EF4-FFF2-40B4-BE49-F238E27FC236}">
-                <a16:creationId xmlns:a16="http://schemas.microsoft.com/office/drawing/2014/main" id="{6073328D-A396-4FE0-8E7C-246F5F50C47B}"/>
-              </a:ext>
-            </a:extLst>
-          </p:cNvPr>
-          <p:cNvSpPr/>
-          <p:nvPr/>
-        </p:nvSpPr>
-        <p:spPr>
-          <a:xfrm>
-            <a:off x="0" y="6593305"/>
-            <a:ext cx="2338939" cy="264695"/>
-          </a:xfrm>
-          <a:prstGeom prst="rect">
-            <a:avLst/>
-          </a:prstGeom>
-          <a:solidFill>
-            <a:schemeClr val="bg1"/>
-          </a:solidFill>
-          <a:ln>
-            <a:noFill/>
-          </a:ln>
-        </p:spPr>
-        <p:style>
-          <a:lnRef idx="2">
-            <a:schemeClr val="accent1">
-              <a:shade val="50000"/>
-            </a:schemeClr>
-          </a:lnRef>
-          <a:fillRef idx="1">
-            <a:schemeClr val="accent1"/>
-          </a:fillRef>
-          <a:effectRef idx="0">
-            <a:schemeClr val="accent1"/>
-          </a:effectRef>
-          <a:fontRef idx="minor">
-            <a:schemeClr val="lt1"/>
-          </a:fontRef>
-        </p:style>
-        <p:txBody>
-          <a:bodyPr rtlCol="0" anchor="ctr"/>
-          <a:lstStyle/>
-          <a:p>
-            <a:pPr algn="ctr"/>
-            <a:endParaRPr lang="ko-KR" altLang="en-US"/>
-          </a:p>
-        </p:txBody>
-      </p:sp>
-      <p:grpSp>
-        <p:nvGrpSpPr>
           <p:cNvPr id="15" name="그룹 14">
             <a:extLst>
               <a:ext uri="{FF2B5EF4-FFF2-40B4-BE49-F238E27FC236}">
@@ -18176,7 +17983,7 @@
 </p:sld>
 </file>
 
-<file path=ppt/slides/slide22.xml><?xml version="1.0" encoding="utf-8"?>
+<file path=ppt/slides/slide21.xml><?xml version="1.0" encoding="utf-8"?>
 <p:sld xmlns:a="http://schemas.openxmlformats.org/drawingml/2006/main" xmlns:r="http://schemas.openxmlformats.org/officeDocument/2006/relationships" xmlns:p="http://schemas.openxmlformats.org/presentationml/2006/main">
   <p:cSld>
     <p:spTree>
@@ -18378,7 +18185,7 @@
 </p:sld>
 </file>
 
-<file path=ppt/slides/slide23.xml><?xml version="1.0" encoding="utf-8"?>
+<file path=ppt/slides/slide22.xml><?xml version="1.0" encoding="utf-8"?>
 <p:sld xmlns:a="http://schemas.openxmlformats.org/drawingml/2006/main" xmlns:r="http://schemas.openxmlformats.org/officeDocument/2006/relationships" xmlns:p="http://schemas.openxmlformats.org/presentationml/2006/main">
   <p:cSld>
     <p:spTree>
@@ -19084,7 +18891,7 @@
 </p:sld>
 </file>
 
-<file path=ppt/slides/slide24.xml><?xml version="1.0" encoding="utf-8"?>
+<file path=ppt/slides/slide23.xml><?xml version="1.0" encoding="utf-8"?>
 <p:sld xmlns:a="http://schemas.openxmlformats.org/drawingml/2006/main" xmlns:r="http://schemas.openxmlformats.org/officeDocument/2006/relationships" xmlns:p="http://schemas.openxmlformats.org/presentationml/2006/main">
   <p:cSld>
     <p:spTree>
@@ -19270,7 +19077,7 @@
 </p:sld>
 </file>
 
-<file path=ppt/slides/slide25.xml><?xml version="1.0" encoding="utf-8"?>
+<file path=ppt/slides/slide24.xml><?xml version="1.0" encoding="utf-8"?>
 <p:sld xmlns:a="http://schemas.openxmlformats.org/drawingml/2006/main" xmlns:r="http://schemas.openxmlformats.org/officeDocument/2006/relationships" xmlns:p="http://schemas.openxmlformats.org/presentationml/2006/main">
   <p:cSld>
     <p:spTree>
@@ -19449,7 +19256,7 @@
 </p:sld>
 </file>
 
-<file path=ppt/slides/slide26.xml><?xml version="1.0" encoding="utf-8"?>
+<file path=ppt/slides/slide25.xml><?xml version="1.0" encoding="utf-8"?>
 <p:sld xmlns:a="http://schemas.openxmlformats.org/drawingml/2006/main" xmlns:r="http://schemas.openxmlformats.org/officeDocument/2006/relationships" xmlns:p="http://schemas.openxmlformats.org/presentationml/2006/main">
   <p:cSld>
     <p:spTree>
@@ -19561,6 +19368,88 @@
 </p:sld>
 </file>
 
+<file path=ppt/slides/slide26.xml><?xml version="1.0" encoding="utf-8"?>
+<p:sld xmlns:a="http://schemas.openxmlformats.org/drawingml/2006/main" xmlns:r="http://schemas.openxmlformats.org/officeDocument/2006/relationships" xmlns:p="http://schemas.openxmlformats.org/presentationml/2006/main">
+  <p:cSld>
+    <p:spTree>
+      <p:nvGrpSpPr>
+        <p:cNvPr id="1" name=""/>
+        <p:cNvGrpSpPr/>
+        <p:nvPr/>
+      </p:nvGrpSpPr>
+      <p:grpSpPr>
+        <a:xfrm>
+          <a:off x="0" y="0"/>
+          <a:ext cx="0" cy="0"/>
+          <a:chOff x="0" y="0"/>
+          <a:chExt cx="0" cy="0"/>
+        </a:xfrm>
+      </p:grpSpPr>
+      <p:sp>
+        <p:nvSpPr>
+          <p:cNvPr id="3" name="TextBox 2">
+            <a:extLst>
+              <a:ext uri="{FF2B5EF4-FFF2-40B4-BE49-F238E27FC236}">
+                <a16:creationId xmlns:a16="http://schemas.microsoft.com/office/drawing/2014/main" id="{319F516C-FBD2-44E4-B382-8AE90A3BBCB3}"/>
+              </a:ext>
+            </a:extLst>
+          </p:cNvPr>
+          <p:cNvSpPr txBox="1"/>
+          <p:nvPr/>
+        </p:nvSpPr>
+        <p:spPr>
+          <a:xfrm>
+            <a:off x="5126022" y="2875002"/>
+            <a:ext cx="1939955" cy="1107996"/>
+          </a:xfrm>
+          <a:prstGeom prst="rect">
+            <a:avLst/>
+          </a:prstGeom>
+          <a:noFill/>
+        </p:spPr>
+        <p:txBody>
+          <a:bodyPr wrap="none" rtlCol="0">
+            <a:spAutoFit/>
+          </a:bodyPr>
+          <a:lstStyle/>
+          <a:p>
+            <a:r>
+              <a:rPr lang="en-US" altLang="ko-KR" sz="6600" dirty="0">
+                <a:latin typeface="Forte" panose="03060902040502070203" pitchFamily="66" charset="0"/>
+              </a:rPr>
+              <a:t>Q</a:t>
+            </a:r>
+            <a:r>
+              <a:rPr lang="en-US" altLang="ko-KR" sz="4000" dirty="0">
+                <a:latin typeface="Forte" panose="03060902040502070203" pitchFamily="66" charset="0"/>
+              </a:rPr>
+              <a:t> &amp; </a:t>
+            </a:r>
+            <a:r>
+              <a:rPr lang="en-US" altLang="ko-KR" sz="6600" dirty="0">
+                <a:latin typeface="Forte" panose="03060902040502070203" pitchFamily="66" charset="0"/>
+              </a:rPr>
+              <a:t>A</a:t>
+            </a:r>
+            <a:endParaRPr lang="ko-KR" altLang="en-US" sz="4000" dirty="0">
+              <a:latin typeface="Forte" panose="03060902040502070203" pitchFamily="66" charset="0"/>
+            </a:endParaRPr>
+          </a:p>
+        </p:txBody>
+      </p:sp>
+    </p:spTree>
+    <p:extLst>
+      <p:ext uri="{BB962C8B-B14F-4D97-AF65-F5344CB8AC3E}">
+        <p14:creationId xmlns:p14="http://schemas.microsoft.com/office/powerpoint/2010/main" val="3284388188"/>
+      </p:ext>
+    </p:extLst>
+  </p:cSld>
+  <p:clrMapOvr>
+    <a:masterClrMapping/>
+  </p:clrMapOvr>
+</p:sld>
+</file>
+
 <file path=ppt/slides/slide27.xml><?xml version="1.0" encoding="utf-8"?>
 <p:sld xmlns:a="http://schemas.openxmlformats.org/drawingml/2006/main" xmlns:r="http://schemas.openxmlformats.org/officeDocument/2006/relationships" xmlns:p="http://schemas.openxmlformats.org/presentationml/2006/main">
   <p:cSld>
@@ -19580,233 +19469,54 @@
       </p:grpSpPr>
       <p:sp>
         <p:nvSpPr>
-          <p:cNvPr id="6" name="직사각형 5">
+          <p:cNvPr id="3" name="TextBox 2">
             <a:extLst>
               <a:ext uri="{FF2B5EF4-FFF2-40B4-BE49-F238E27FC236}">
-                <a16:creationId xmlns:a16="http://schemas.microsoft.com/office/drawing/2014/main" id="{6073328D-A396-4FE0-8E7C-246F5F50C47B}"/>
+                <a16:creationId xmlns:a16="http://schemas.microsoft.com/office/drawing/2014/main" id="{319F516C-FBD2-44E4-B382-8AE90A3BBCB3}"/>
               </a:ext>
             </a:extLst>
           </p:cNvPr>
-          <p:cNvSpPr/>
+          <p:cNvSpPr txBox="1"/>
           <p:nvPr/>
         </p:nvSpPr>
         <p:spPr>
           <a:xfrm>
-            <a:off x="0" y="6593305"/>
-            <a:ext cx="2338939" cy="264695"/>
-          </a:xfrm>
-          <a:prstGeom prst="rect">
-            <a:avLst/>
-          </a:prstGeom>
-          <a:solidFill>
-            <a:schemeClr val="bg1"/>
-          </a:solidFill>
-          <a:ln>
-            <a:noFill/>
-          </a:ln>
-        </p:spPr>
-        <p:style>
-          <a:lnRef idx="2">
-            <a:schemeClr val="accent1">
-              <a:shade val="50000"/>
-            </a:schemeClr>
-          </a:lnRef>
-          <a:fillRef idx="1">
-            <a:schemeClr val="accent1"/>
-          </a:fillRef>
-          <a:effectRef idx="0">
-            <a:schemeClr val="accent1"/>
-          </a:effectRef>
-          <a:fontRef idx="minor">
-            <a:schemeClr val="lt1"/>
-          </a:fontRef>
-        </p:style>
-        <p:txBody>
-          <a:bodyPr rtlCol="0" anchor="ctr"/>
-          <a:lstStyle/>
-          <a:p>
-            <a:pPr algn="ctr"/>
-            <a:endParaRPr lang="ko-KR" altLang="en-US"/>
-          </a:p>
-        </p:txBody>
-      </p:sp>
-      <p:grpSp>
-        <p:nvGrpSpPr>
-          <p:cNvPr id="15" name="그룹 14">
-            <a:extLst>
-              <a:ext uri="{FF2B5EF4-FFF2-40B4-BE49-F238E27FC236}">
-                <a16:creationId xmlns:a16="http://schemas.microsoft.com/office/drawing/2014/main" id="{2F1EB369-1245-4EC4-B801-E5A3037B8A3F}"/>
-              </a:ext>
-            </a:extLst>
-          </p:cNvPr>
-          <p:cNvGrpSpPr/>
-          <p:nvPr/>
-        </p:nvGrpSpPr>
-        <p:grpSpPr>
-          <a:xfrm>
-            <a:off x="0" y="0"/>
-            <a:ext cx="12192000" cy="6858000"/>
-            <a:chOff x="0" y="0"/>
-            <a:chExt cx="12192000" cy="6858000"/>
-          </a:xfrm>
-        </p:grpSpPr>
-        <p:pic>
-          <p:nvPicPr>
-            <p:cNvPr id="5" name="그림 4">
-              <a:extLst>
-                <a:ext uri="{FF2B5EF4-FFF2-40B4-BE49-F238E27FC236}">
-                  <a16:creationId xmlns:a16="http://schemas.microsoft.com/office/drawing/2014/main" id="{6AA3F58A-05AA-4E7C-A390-A8519F810201}"/>
-                </a:ext>
-              </a:extLst>
-            </p:cNvPr>
-            <p:cNvPicPr>
-              <a:picLocks noChangeAspect="1"/>
-            </p:cNvPicPr>
-            <p:nvPr/>
-          </p:nvPicPr>
-          <p:blipFill>
-            <a:blip r:embed="rId2"/>
-            <a:stretch>
-              <a:fillRect/>
-            </a:stretch>
-          </p:blipFill>
-          <p:spPr>
-            <a:xfrm>
-              <a:off x="0" y="0"/>
-              <a:ext cx="12192000" cy="6858000"/>
-            </a:xfrm>
-            <a:prstGeom prst="rect">
-              <a:avLst/>
-            </a:prstGeom>
-          </p:spPr>
-        </p:pic>
-        <p:sp>
-          <p:nvSpPr>
-            <p:cNvPr id="207" name="직사각형 206">
-              <a:extLst>
-                <a:ext uri="{FF2B5EF4-FFF2-40B4-BE49-F238E27FC236}">
-                  <a16:creationId xmlns:a16="http://schemas.microsoft.com/office/drawing/2014/main" id="{4831331C-C6BB-4A4B-8601-3C660016E7A1}"/>
-                </a:ext>
-              </a:extLst>
-            </p:cNvPr>
-            <p:cNvSpPr/>
-            <p:nvPr/>
-          </p:nvSpPr>
-          <p:spPr>
-            <a:xfrm>
-              <a:off x="2453256" y="2040915"/>
-              <a:ext cx="3642744" cy="1084244"/>
-            </a:xfrm>
-            <a:prstGeom prst="rect">
-              <a:avLst/>
-            </a:prstGeom>
-            <a:noFill/>
-            <a:ln w="57150">
-              <a:solidFill>
-                <a:schemeClr val="bg1"/>
-              </a:solidFill>
-            </a:ln>
-          </p:spPr>
-          <p:style>
-            <a:lnRef idx="2">
-              <a:schemeClr val="accent1">
-                <a:shade val="50000"/>
-              </a:schemeClr>
-            </a:lnRef>
-            <a:fillRef idx="1">
-              <a:schemeClr val="accent1"/>
-            </a:fillRef>
-            <a:effectRef idx="0">
-              <a:schemeClr val="accent1"/>
-            </a:effectRef>
-            <a:fontRef idx="minor">
-              <a:schemeClr val="lt1"/>
-            </a:fontRef>
-          </p:style>
-          <p:txBody>
-            <a:bodyPr rtlCol="0" anchor="ctr"/>
-            <a:lstStyle/>
-            <a:p>
-              <a:pPr algn="ctr"/>
-              <a:endParaRPr lang="ko-KR" altLang="en-US"/>
-            </a:p>
-          </p:txBody>
-        </p:sp>
-      </p:grpSp>
-      <p:sp>
-        <p:nvSpPr>
-          <p:cNvPr id="199" name="직사각형 198">
-            <a:extLst>
-              <a:ext uri="{FF2B5EF4-FFF2-40B4-BE49-F238E27FC236}">
-                <a16:creationId xmlns:a16="http://schemas.microsoft.com/office/drawing/2014/main" id="{C59FB9DB-E607-4DA0-A6C7-E81E59178177}"/>
-              </a:ext>
-            </a:extLst>
-          </p:cNvPr>
-          <p:cNvSpPr/>
-          <p:nvPr/>
-        </p:nvSpPr>
-        <p:spPr>
-          <a:xfrm>
-            <a:off x="2453256" y="2040915"/>
-            <a:ext cx="3642744" cy="1084244"/>
+            <a:off x="4759865" y="2875002"/>
+            <a:ext cx="2672270" cy="1107996"/>
           </a:xfrm>
           <a:prstGeom prst="rect">
             <a:avLst/>
           </a:prstGeom>
           <a:noFill/>
-          <a:ln w="38100">
-            <a:solidFill>
-              <a:srgbClr val="0070C0"/>
-            </a:solidFill>
-          </a:ln>
         </p:spPr>
-        <p:style>
-          <a:lnRef idx="2">
-            <a:schemeClr val="accent1">
-              <a:shade val="50000"/>
-            </a:schemeClr>
-          </a:lnRef>
-          <a:fillRef idx="1">
-            <a:schemeClr val="accent1"/>
-          </a:fillRef>
-          <a:effectRef idx="0">
-            <a:schemeClr val="accent1"/>
-          </a:effectRef>
-          <a:fontRef idx="minor">
-            <a:schemeClr val="lt1"/>
-          </a:fontRef>
-        </p:style>
         <p:txBody>
-          <a:bodyPr rtlCol="0" anchor="ctr"/>
+          <a:bodyPr wrap="none" rtlCol="0">
+            <a:spAutoFit/>
+          </a:bodyPr>
           <a:lstStyle/>
           <a:p>
-            <a:pPr algn="ctr"/>
-            <a:endParaRPr lang="ko-KR" altLang="en-US"/>
+            <a:r>
+              <a:rPr lang="en-US" altLang="ko-KR" sz="6600" dirty="0">
+                <a:latin typeface="Forte" panose="03060902040502070203" pitchFamily="66" charset="0"/>
+              </a:rPr>
+              <a:t>Thanks</a:t>
+            </a:r>
+            <a:endParaRPr lang="ko-KR" altLang="en-US" sz="4000" dirty="0">
+              <a:latin typeface="Forte" panose="03060902040502070203" pitchFamily="66" charset="0"/>
+            </a:endParaRPr>
           </a:p>
         </p:txBody>
       </p:sp>
     </p:spTree>
     <p:extLst>
       <p:ext uri="{BB962C8B-B14F-4D97-AF65-F5344CB8AC3E}">
-        <p14:creationId xmlns:p14="http://schemas.microsoft.com/office/powerpoint/2010/main" val="1327966388"/>
+        <p14:creationId xmlns:p14="http://schemas.microsoft.com/office/powerpoint/2010/main" val="1822639905"/>
       </p:ext>
     </p:extLst>
   </p:cSld>
   <p:clrMapOvr>
     <a:masterClrMapping/>
   </p:clrMapOvr>
-  <mc:AlternateContent xmlns:mc="http://schemas.openxmlformats.org/markup-compatibility/2006" xmlns:p159="http://schemas.microsoft.com/office/powerpoint/2015/09/main">
-    <mc:Choice Requires="p159">
-      <p:transition xmlns:p14="http://schemas.microsoft.com/office/powerpoint/2010/main" spd="slow" p14:dur="2000">
-        <p159:morph option="byObject"/>
-      </p:transition>
-    </mc:Choice>
-    <mc:Fallback xmlns="">
-      <p:transition spd="slow">
-        <p:fade/>
-      </p:transition>
-    </mc:Fallback>
-  </mc:AlternateContent>
 </p:sld>
 </file>
 
